--- a/연구일지/졸업작품 주간 일지 33주차/ABA해결 - FreeList.pptx
+++ b/연구일지/졸업작품 주간 일지 33주차/ABA해결 - FreeList.pptx
@@ -7079,7 +7079,7 @@
                 <a:latin typeface="돋움체" panose="020B0609000101010101" pitchFamily="49" charset="-127"/>
                 <a:ea typeface="돋움체" panose="020B0609000101010101" pitchFamily="49" charset="-127"/>
               </a:rPr>
-              <a:t> (ret_ctr != release())</a:t>
+              <a:t> (ret_ctr != nullptr)</a:t>
             </a:r>
           </a:p>
           <a:p>
@@ -7130,7 +7130,7 @@
         <p:spPr>
           <a:xfrm>
             <a:off x="121585" y="0"/>
-            <a:ext cx="6098240" cy="2308324"/>
+            <a:ext cx="6098240" cy="2492990"/>
           </a:xfrm>
           <a:prstGeom prst="rect">
             <a:avLst/>
@@ -7333,6 +7333,15 @@
               </a:rPr>
               <a:t> == CAS(&amp;weak_count, curr_weak_count, curr_weak_count - 1))</a:t>
             </a:r>
+          </a:p>
+          <a:p>
+            <a:endParaRPr lang="en-US" altLang="ko-KR" sz="1200">
+              <a:solidFill>
+                <a:srgbClr val="000000"/>
+              </a:solidFill>
+              <a:latin typeface="돋움체" panose="020B0609000101010101" pitchFamily="49" charset="-127"/>
+              <a:ea typeface="돋움체" panose="020B0609000101010101" pitchFamily="49" charset="-127"/>
+            </a:endParaRPr>
           </a:p>
           <a:p>
             <a:r>

--- a/연구일지/졸업작품 주간 일지 33주차/ABA해결 - FreeList.pptx
+++ b/연구일지/졸업작품 주간 일지 33주차/ABA해결 - FreeList.pptx
@@ -16,6 +16,7 @@
     <p:sldId id="273" r:id="rId10"/>
     <p:sldId id="274" r:id="rId11"/>
     <p:sldId id="275" r:id="rId12"/>
+    <p:sldId id="276" r:id="rId13"/>
   </p:sldIdLst>
   <p:sldSz cx="12192000" cy="6858000"/>
   <p:notesSz cx="6858000" cy="9144000"/>
@@ -269,7 +270,7 @@
           <a:p>
             <a:fld id="{5CB48F7C-B5A1-456C-840D-E1D9004DAE9C}" type="datetimeFigureOut">
               <a:rPr lang="ko-KR" altLang="en-US" smtClean="0"/>
-              <a:t>2020-09-02</a:t>
+              <a:t>2020-09-04</a:t>
             </a:fld>
             <a:endParaRPr lang="ko-KR" altLang="en-US"/>
           </a:p>
@@ -467,7 +468,7 @@
           <a:p>
             <a:fld id="{5CB48F7C-B5A1-456C-840D-E1D9004DAE9C}" type="datetimeFigureOut">
               <a:rPr lang="ko-KR" altLang="en-US" smtClean="0"/>
-              <a:t>2020-09-02</a:t>
+              <a:t>2020-09-04</a:t>
             </a:fld>
             <a:endParaRPr lang="ko-KR" altLang="en-US"/>
           </a:p>
@@ -675,7 +676,7 @@
           <a:p>
             <a:fld id="{5CB48F7C-B5A1-456C-840D-E1D9004DAE9C}" type="datetimeFigureOut">
               <a:rPr lang="ko-KR" altLang="en-US" smtClean="0"/>
-              <a:t>2020-09-02</a:t>
+              <a:t>2020-09-04</a:t>
             </a:fld>
             <a:endParaRPr lang="ko-KR" altLang="en-US"/>
           </a:p>
@@ -873,7 +874,7 @@
           <a:p>
             <a:fld id="{5CB48F7C-B5A1-456C-840D-E1D9004DAE9C}" type="datetimeFigureOut">
               <a:rPr lang="ko-KR" altLang="en-US" smtClean="0"/>
-              <a:t>2020-09-02</a:t>
+              <a:t>2020-09-04</a:t>
             </a:fld>
             <a:endParaRPr lang="ko-KR" altLang="en-US"/>
           </a:p>
@@ -1148,7 +1149,7 @@
           <a:p>
             <a:fld id="{5CB48F7C-B5A1-456C-840D-E1D9004DAE9C}" type="datetimeFigureOut">
               <a:rPr lang="ko-KR" altLang="en-US" smtClean="0"/>
-              <a:t>2020-09-02</a:t>
+              <a:t>2020-09-04</a:t>
             </a:fld>
             <a:endParaRPr lang="ko-KR" altLang="en-US"/>
           </a:p>
@@ -1413,7 +1414,7 @@
           <a:p>
             <a:fld id="{5CB48F7C-B5A1-456C-840D-E1D9004DAE9C}" type="datetimeFigureOut">
               <a:rPr lang="ko-KR" altLang="en-US" smtClean="0"/>
-              <a:t>2020-09-02</a:t>
+              <a:t>2020-09-04</a:t>
             </a:fld>
             <a:endParaRPr lang="ko-KR" altLang="en-US"/>
           </a:p>
@@ -1825,7 +1826,7 @@
           <a:p>
             <a:fld id="{5CB48F7C-B5A1-456C-840D-E1D9004DAE9C}" type="datetimeFigureOut">
               <a:rPr lang="ko-KR" altLang="en-US" smtClean="0"/>
-              <a:t>2020-09-02</a:t>
+              <a:t>2020-09-04</a:t>
             </a:fld>
             <a:endParaRPr lang="ko-KR" altLang="en-US"/>
           </a:p>
@@ -1966,7 +1967,7 @@
           <a:p>
             <a:fld id="{5CB48F7C-B5A1-456C-840D-E1D9004DAE9C}" type="datetimeFigureOut">
               <a:rPr lang="ko-KR" altLang="en-US" smtClean="0"/>
-              <a:t>2020-09-02</a:t>
+              <a:t>2020-09-04</a:t>
             </a:fld>
             <a:endParaRPr lang="ko-KR" altLang="en-US"/>
           </a:p>
@@ -2079,7 +2080,7 @@
           <a:p>
             <a:fld id="{5CB48F7C-B5A1-456C-840D-E1D9004DAE9C}" type="datetimeFigureOut">
               <a:rPr lang="ko-KR" altLang="en-US" smtClean="0"/>
-              <a:t>2020-09-02</a:t>
+              <a:t>2020-09-04</a:t>
             </a:fld>
             <a:endParaRPr lang="ko-KR" altLang="en-US"/>
           </a:p>
@@ -2390,7 +2391,7 @@
           <a:p>
             <a:fld id="{5CB48F7C-B5A1-456C-840D-E1D9004DAE9C}" type="datetimeFigureOut">
               <a:rPr lang="ko-KR" altLang="en-US" smtClean="0"/>
-              <a:t>2020-09-02</a:t>
+              <a:t>2020-09-04</a:t>
             </a:fld>
             <a:endParaRPr lang="ko-KR" altLang="en-US"/>
           </a:p>
@@ -2678,7 +2679,7 @@
           <a:p>
             <a:fld id="{5CB48F7C-B5A1-456C-840D-E1D9004DAE9C}" type="datetimeFigureOut">
               <a:rPr lang="ko-KR" altLang="en-US" smtClean="0"/>
-              <a:t>2020-09-02</a:t>
+              <a:t>2020-09-04</a:t>
             </a:fld>
             <a:endParaRPr lang="ko-KR" altLang="en-US"/>
           </a:p>
@@ -2919,7 +2920,7 @@
           <a:p>
             <a:fld id="{5CB48F7C-B5A1-456C-840D-E1D9004DAE9C}" type="datetimeFigureOut">
               <a:rPr lang="ko-KR" altLang="en-US" smtClean="0"/>
-              <a:t>2020-09-02</a:t>
+              <a:t>2020-09-04</a:t>
             </a:fld>
             <a:endParaRPr lang="ko-KR" altLang="en-US"/>
           </a:p>
@@ -7410,6 +7411,2168 @@
     <p:extLst>
       <p:ext uri="{BB962C8B-B14F-4D97-AF65-F5344CB8AC3E}">
         <p14:creationId xmlns:p14="http://schemas.microsoft.com/office/powerpoint/2010/main" val="2970749647"/>
+      </p:ext>
+    </p:extLst>
+  </p:cSld>
+  <p:clrMapOvr>
+    <a:masterClrMapping/>
+  </p:clrMapOvr>
+</p:sld>
+</file>
+
+<file path=ppt/slides/slide12.xml><?xml version="1.0" encoding="utf-8"?>
+<p:sld xmlns:a="http://schemas.openxmlformats.org/drawingml/2006/main" xmlns:r="http://schemas.openxmlformats.org/officeDocument/2006/relationships" xmlns:p="http://schemas.openxmlformats.org/presentationml/2006/main">
+  <p:cSld>
+    <p:spTree>
+      <p:nvGrpSpPr>
+        <p:cNvPr id="1" name=""/>
+        <p:cNvGrpSpPr/>
+        <p:nvPr/>
+      </p:nvGrpSpPr>
+      <p:grpSpPr>
+        <a:xfrm>
+          <a:off x="0" y="0"/>
+          <a:ext cx="0" cy="0"/>
+          <a:chOff x="0" y="0"/>
+          <a:chExt cx="0" cy="0"/>
+        </a:xfrm>
+      </p:grpSpPr>
+      <p:graphicFrame>
+        <p:nvGraphicFramePr>
+          <p:cNvPr id="5" name="표 3">
+            <a:extLst>
+              <a:ext uri="{FF2B5EF4-FFF2-40B4-BE49-F238E27FC236}">
+                <a16:creationId xmlns:a16="http://schemas.microsoft.com/office/drawing/2014/main" id="{8984B588-3858-432A-BF8A-6FBDB5460E3B}"/>
+              </a:ext>
+            </a:extLst>
+          </p:cNvPr>
+          <p:cNvGraphicFramePr>
+            <a:graphicFrameLocks noGrp="1"/>
+          </p:cNvGraphicFramePr>
+          <p:nvPr>
+            <p:extLst>
+              <p:ext uri="{D42A27DB-BD31-4B8C-83A1-F6EECF244321}">
+                <p14:modId xmlns:p14="http://schemas.microsoft.com/office/powerpoint/2010/main" val="3613798138"/>
+              </p:ext>
+            </p:extLst>
+          </p:nvPr>
+        </p:nvGraphicFramePr>
+        <p:xfrm>
+          <a:off x="3692207" y="2188854"/>
+          <a:ext cx="4343401" cy="1483360"/>
+        </p:xfrm>
+        <a:graphic>
+          <a:graphicData uri="http://schemas.openxmlformats.org/drawingml/2006/table">
+            <a:tbl>
+              <a:tblPr firstRow="1" bandRow="1">
+                <a:tableStyleId>{5C22544A-7EE6-4342-B048-85BDC9FD1C3A}</a:tableStyleId>
+              </a:tblPr>
+              <a:tblGrid>
+                <a:gridCol w="895761">
+                  <a:extLst>
+                    <a:ext uri="{9D8B030D-6E8A-4147-A177-3AD203B41FA5}">
+                      <a16:colId xmlns:a16="http://schemas.microsoft.com/office/drawing/2014/main" val="2528104317"/>
+                    </a:ext>
+                  </a:extLst>
+                </a:gridCol>
+                <a:gridCol w="863467">
+                  <a:extLst>
+                    <a:ext uri="{9D8B030D-6E8A-4147-A177-3AD203B41FA5}">
+                      <a16:colId xmlns:a16="http://schemas.microsoft.com/office/drawing/2014/main" val="13690466"/>
+                    </a:ext>
+                  </a:extLst>
+                </a:gridCol>
+                <a:gridCol w="792650">
+                  <a:extLst>
+                    <a:ext uri="{9D8B030D-6E8A-4147-A177-3AD203B41FA5}">
+                      <a16:colId xmlns:a16="http://schemas.microsoft.com/office/drawing/2014/main" val="285606131"/>
+                    </a:ext>
+                  </a:extLst>
+                </a:gridCol>
+                <a:gridCol w="471796">
+                  <a:extLst>
+                    <a:ext uri="{9D8B030D-6E8A-4147-A177-3AD203B41FA5}">
+                      <a16:colId xmlns:a16="http://schemas.microsoft.com/office/drawing/2014/main" val="1216638605"/>
+                    </a:ext>
+                  </a:extLst>
+                </a:gridCol>
+                <a:gridCol w="489989">
+                  <a:extLst>
+                    <a:ext uri="{9D8B030D-6E8A-4147-A177-3AD203B41FA5}">
+                      <a16:colId xmlns:a16="http://schemas.microsoft.com/office/drawing/2014/main" val="604682292"/>
+                    </a:ext>
+                  </a:extLst>
+                </a:gridCol>
+                <a:gridCol w="829738">
+                  <a:extLst>
+                    <a:ext uri="{9D8B030D-6E8A-4147-A177-3AD203B41FA5}">
+                      <a16:colId xmlns:a16="http://schemas.microsoft.com/office/drawing/2014/main" val="3054742009"/>
+                    </a:ext>
+                  </a:extLst>
+                </a:gridCol>
+              </a:tblGrid>
+              <a:tr h="370840">
+                <a:tc>
+                  <a:txBody>
+                    <a:bodyPr/>
+                    <a:lstStyle/>
+                    <a:p>
+                      <a:pPr algn="ctr" latinLnBrk="1"/>
+                      <a:r>
+                        <a:rPr lang="en-US" altLang="ko-KR" sz="1600" b="1">
+                          <a:solidFill>
+                            <a:schemeClr val="tx1"/>
+                          </a:solidFill>
+                        </a:rPr>
+                        <a:t>ctr</a:t>
+                      </a:r>
+                      <a:endParaRPr lang="ko-KR" altLang="en-US" sz="1600" b="1">
+                        <a:solidFill>
+                          <a:schemeClr val="tx1"/>
+                        </a:solidFill>
+                      </a:endParaRPr>
+                    </a:p>
+                  </a:txBody>
+                  <a:tcPr>
+                    <a:lnL w="12700" cap="flat" cmpd="sng" algn="ctr">
+                      <a:solidFill>
+                        <a:schemeClr val="tx1"/>
+                      </a:solidFill>
+                      <a:prstDash val="solid"/>
+                      <a:round/>
+                      <a:headEnd type="none" w="med" len="med"/>
+                      <a:tailEnd type="none" w="med" len="med"/>
+                    </a:lnL>
+                    <a:lnR w="12700" cap="flat" cmpd="sng" algn="ctr">
+                      <a:solidFill>
+                        <a:schemeClr val="tx1"/>
+                      </a:solidFill>
+                      <a:prstDash val="solid"/>
+                      <a:round/>
+                      <a:headEnd type="none" w="med" len="med"/>
+                      <a:tailEnd type="none" w="med" len="med"/>
+                    </a:lnR>
+                    <a:lnT w="12700" cap="flat" cmpd="sng" algn="ctr">
+                      <a:solidFill>
+                        <a:schemeClr val="tx1"/>
+                      </a:solidFill>
+                      <a:prstDash val="solid"/>
+                      <a:round/>
+                      <a:headEnd type="none" w="med" len="med"/>
+                      <a:tailEnd type="none" w="med" len="med"/>
+                    </a:lnT>
+                    <a:lnB w="12700" cap="flat" cmpd="sng" algn="ctr">
+                      <a:solidFill>
+                        <a:schemeClr val="tx1"/>
+                      </a:solidFill>
+                      <a:prstDash val="solid"/>
+                      <a:round/>
+                      <a:headEnd type="none" w="med" len="med"/>
+                      <a:tailEnd type="none" w="med" len="med"/>
+                    </a:lnB>
+                    <a:lnTlToBr w="12700" cmpd="sng">
+                      <a:noFill/>
+                      <a:prstDash val="solid"/>
+                    </a:lnTlToBr>
+                    <a:lnBlToTr w="12700" cmpd="sng">
+                      <a:noFill/>
+                      <a:prstDash val="solid"/>
+                    </a:lnBlToTr>
+                    <a:solidFill>
+                      <a:schemeClr val="accent2"/>
+                    </a:solidFill>
+                  </a:tcPr>
+                </a:tc>
+                <a:tc>
+                  <a:txBody>
+                    <a:bodyPr/>
+                    <a:lstStyle/>
+                    <a:p>
+                      <a:pPr algn="ctr" latinLnBrk="1"/>
+                      <a:r>
+                        <a:rPr lang="en-US" altLang="ko-KR" sz="1600" b="1">
+                          <a:solidFill>
+                            <a:schemeClr val="tx1"/>
+                          </a:solidFill>
+                        </a:rPr>
+                        <a:t>curr</a:t>
+                      </a:r>
+                      <a:endParaRPr lang="ko-KR" altLang="en-US" sz="1600" b="1">
+                        <a:solidFill>
+                          <a:schemeClr val="tx1"/>
+                        </a:solidFill>
+                      </a:endParaRPr>
+                    </a:p>
+                  </a:txBody>
+                  <a:tcPr>
+                    <a:lnL w="12700" cap="flat" cmpd="sng" algn="ctr">
+                      <a:solidFill>
+                        <a:schemeClr val="tx1"/>
+                      </a:solidFill>
+                      <a:prstDash val="solid"/>
+                      <a:round/>
+                      <a:headEnd type="none" w="med" len="med"/>
+                      <a:tailEnd type="none" w="med" len="med"/>
+                    </a:lnL>
+                    <a:lnR w="12700" cap="flat" cmpd="sng" algn="ctr">
+                      <a:solidFill>
+                        <a:schemeClr val="tx1"/>
+                      </a:solidFill>
+                      <a:prstDash val="solid"/>
+                      <a:round/>
+                      <a:headEnd type="none" w="med" len="med"/>
+                      <a:tailEnd type="none" w="med" len="med"/>
+                    </a:lnR>
+                    <a:lnT w="12700" cap="flat" cmpd="sng" algn="ctr">
+                      <a:solidFill>
+                        <a:schemeClr val="tx1"/>
+                      </a:solidFill>
+                      <a:prstDash val="solid"/>
+                      <a:round/>
+                      <a:headEnd type="none" w="med" len="med"/>
+                      <a:tailEnd type="none" w="med" len="med"/>
+                    </a:lnT>
+                    <a:lnB w="12700" cap="flat" cmpd="sng" algn="ctr">
+                      <a:solidFill>
+                        <a:schemeClr val="tx1"/>
+                      </a:solidFill>
+                      <a:prstDash val="solid"/>
+                      <a:round/>
+                      <a:headEnd type="none" w="med" len="med"/>
+                      <a:tailEnd type="none" w="med" len="med"/>
+                    </a:lnB>
+                    <a:lnTlToBr w="12700" cmpd="sng">
+                      <a:noFill/>
+                      <a:prstDash val="solid"/>
+                    </a:lnTlToBr>
+                    <a:lnBlToTr w="12700" cmpd="sng">
+                      <a:noFill/>
+                      <a:prstDash val="solid"/>
+                    </a:lnBlToTr>
+                    <a:solidFill>
+                      <a:schemeClr val="accent4"/>
+                    </a:solidFill>
+                  </a:tcPr>
+                </a:tc>
+                <a:tc>
+                  <a:txBody>
+                    <a:bodyPr/>
+                    <a:lstStyle/>
+                    <a:p>
+                      <a:pPr algn="ctr" latinLnBrk="1"/>
+                      <a:r>
+                        <a:rPr lang="en-US" altLang="ko-KR" sz="1600" b="0">
+                          <a:solidFill>
+                            <a:schemeClr val="tx1"/>
+                          </a:solidFill>
+                        </a:rPr>
+                        <a:t>nullptr</a:t>
+                      </a:r>
+                      <a:endParaRPr lang="ko-KR" altLang="en-US" sz="1600" b="0">
+                        <a:solidFill>
+                          <a:schemeClr val="tx1"/>
+                        </a:solidFill>
+                      </a:endParaRPr>
+                    </a:p>
+                  </a:txBody>
+                  <a:tcPr>
+                    <a:lnL w="12700" cap="flat" cmpd="sng" algn="ctr">
+                      <a:solidFill>
+                        <a:schemeClr val="tx1"/>
+                      </a:solidFill>
+                      <a:prstDash val="solid"/>
+                      <a:round/>
+                      <a:headEnd type="none" w="med" len="med"/>
+                      <a:tailEnd type="none" w="med" len="med"/>
+                    </a:lnL>
+                    <a:lnR w="12700" cap="flat" cmpd="sng" algn="ctr">
+                      <a:solidFill>
+                        <a:schemeClr val="tx1"/>
+                      </a:solidFill>
+                      <a:prstDash val="solid"/>
+                      <a:round/>
+                      <a:headEnd type="none" w="med" len="med"/>
+                      <a:tailEnd type="none" w="med" len="med"/>
+                    </a:lnR>
+                    <a:lnT w="12700" cap="flat" cmpd="sng" algn="ctr">
+                      <a:solidFill>
+                        <a:schemeClr val="tx1"/>
+                      </a:solidFill>
+                      <a:prstDash val="solid"/>
+                      <a:round/>
+                      <a:headEnd type="none" w="med" len="med"/>
+                      <a:tailEnd type="none" w="med" len="med"/>
+                    </a:lnT>
+                    <a:lnB w="12700" cap="flat" cmpd="sng" algn="ctr">
+                      <a:solidFill>
+                        <a:schemeClr val="tx1"/>
+                      </a:solidFill>
+                      <a:prstDash val="solid"/>
+                      <a:round/>
+                      <a:headEnd type="none" w="med" len="med"/>
+                      <a:tailEnd type="none" w="med" len="med"/>
+                    </a:lnB>
+                    <a:lnTlToBr w="12700" cmpd="sng">
+                      <a:noFill/>
+                      <a:prstDash val="solid"/>
+                    </a:lnTlToBr>
+                    <a:lnBlToTr w="12700" cmpd="sng">
+                      <a:noFill/>
+                      <a:prstDash val="solid"/>
+                    </a:lnBlToTr>
+                    <a:solidFill>
+                      <a:schemeClr val="accent4">
+                        <a:lumMod val="20000"/>
+                        <a:lumOff val="80000"/>
+                      </a:schemeClr>
+                    </a:solidFill>
+                  </a:tcPr>
+                </a:tc>
+                <a:tc gridSpan="2">
+                  <a:txBody>
+                    <a:bodyPr/>
+                    <a:lstStyle/>
+                    <a:p>
+                      <a:pPr algn="ctr" latinLnBrk="1"/>
+                      <a:r>
+                        <a:rPr lang="en-US" altLang="ko-KR" sz="1600" b="0">
+                          <a:solidFill>
+                            <a:schemeClr val="tx1"/>
+                          </a:solidFill>
+                        </a:rPr>
+                        <a:t>LFCB A</a:t>
+                      </a:r>
+                      <a:endParaRPr lang="ko-KR" altLang="en-US" sz="1600" b="0">
+                        <a:solidFill>
+                          <a:schemeClr val="tx1"/>
+                        </a:solidFill>
+                      </a:endParaRPr>
+                    </a:p>
+                  </a:txBody>
+                  <a:tcPr>
+                    <a:lnL w="12700" cap="flat" cmpd="sng" algn="ctr">
+                      <a:solidFill>
+                        <a:schemeClr val="tx1"/>
+                      </a:solidFill>
+                      <a:prstDash val="solid"/>
+                      <a:round/>
+                      <a:headEnd type="none" w="med" len="med"/>
+                      <a:tailEnd type="none" w="med" len="med"/>
+                    </a:lnL>
+                    <a:lnR w="12700" cap="flat" cmpd="sng" algn="ctr">
+                      <a:solidFill>
+                        <a:schemeClr val="tx1"/>
+                      </a:solidFill>
+                      <a:prstDash val="solid"/>
+                      <a:round/>
+                      <a:headEnd type="none" w="med" len="med"/>
+                      <a:tailEnd type="none" w="med" len="med"/>
+                    </a:lnR>
+                    <a:lnT w="12700" cap="flat" cmpd="sng" algn="ctr">
+                      <a:solidFill>
+                        <a:schemeClr val="tx1"/>
+                      </a:solidFill>
+                      <a:prstDash val="solid"/>
+                      <a:round/>
+                      <a:headEnd type="none" w="med" len="med"/>
+                      <a:tailEnd type="none" w="med" len="med"/>
+                    </a:lnT>
+                    <a:lnB w="12700" cap="flat" cmpd="sng" algn="ctr">
+                      <a:solidFill>
+                        <a:schemeClr val="tx1"/>
+                      </a:solidFill>
+                      <a:prstDash val="solid"/>
+                      <a:round/>
+                      <a:headEnd type="none" w="med" len="med"/>
+                      <a:tailEnd type="none" w="med" len="med"/>
+                    </a:lnB>
+                    <a:lnTlToBr w="12700" cmpd="sng">
+                      <a:noFill/>
+                      <a:prstDash val="solid"/>
+                    </a:lnTlToBr>
+                    <a:lnBlToTr w="12700" cmpd="sng">
+                      <a:noFill/>
+                      <a:prstDash val="solid"/>
+                    </a:lnBlToTr>
+                    <a:solidFill>
+                      <a:schemeClr val="accent4">
+                        <a:lumMod val="20000"/>
+                        <a:lumOff val="80000"/>
+                      </a:schemeClr>
+                    </a:solidFill>
+                  </a:tcPr>
+                </a:tc>
+                <a:tc hMerge="1">
+                  <a:txBody>
+                    <a:bodyPr/>
+                    <a:lstStyle/>
+                    <a:p>
+                      <a:pPr latinLnBrk="1"/>
+                      <a:endParaRPr lang="ko-KR" altLang="en-US"/>
+                    </a:p>
+                  </a:txBody>
+                  <a:tcPr>
+                    <a:lnL w="12700" cap="flat" cmpd="sng" algn="ctr">
+                      <a:solidFill>
+                        <a:schemeClr val="tx1"/>
+                      </a:solidFill>
+                      <a:prstDash val="solid"/>
+                      <a:round/>
+                      <a:headEnd type="none" w="med" len="med"/>
+                      <a:tailEnd type="none" w="med" len="med"/>
+                    </a:lnL>
+                    <a:lnR w="12700" cap="flat" cmpd="sng" algn="ctr">
+                      <a:solidFill>
+                        <a:schemeClr val="tx1"/>
+                      </a:solidFill>
+                      <a:prstDash val="solid"/>
+                      <a:round/>
+                      <a:headEnd type="none" w="med" len="med"/>
+                      <a:tailEnd type="none" w="med" len="med"/>
+                    </a:lnR>
+                    <a:lnT w="12700" cap="flat" cmpd="sng" algn="ctr">
+                      <a:solidFill>
+                        <a:schemeClr val="tx1"/>
+                      </a:solidFill>
+                      <a:prstDash val="solid"/>
+                      <a:round/>
+                      <a:headEnd type="none" w="med" len="med"/>
+                      <a:tailEnd type="none" w="med" len="med"/>
+                    </a:lnT>
+                    <a:lnB w="12700" cap="flat" cmpd="sng" algn="ctr">
+                      <a:solidFill>
+                        <a:schemeClr val="tx1"/>
+                      </a:solidFill>
+                      <a:prstDash val="solid"/>
+                      <a:round/>
+                      <a:headEnd type="none" w="med" len="med"/>
+                      <a:tailEnd type="none" w="med" len="med"/>
+                    </a:lnB>
+                    <a:lnTlToBr w="12700" cmpd="sng">
+                      <a:noFill/>
+                      <a:prstDash val="solid"/>
+                    </a:lnTlToBr>
+                    <a:lnBlToTr w="12700" cmpd="sng">
+                      <a:noFill/>
+                      <a:prstDash val="solid"/>
+                    </a:lnBlToTr>
+                    <a:solidFill>
+                      <a:schemeClr val="accent4"/>
+                    </a:solidFill>
+                  </a:tcPr>
+                </a:tc>
+                <a:tc>
+                  <a:txBody>
+                    <a:bodyPr/>
+                    <a:lstStyle/>
+                    <a:p>
+                      <a:pPr algn="ctr" latinLnBrk="1"/>
+                      <a:r>
+                        <a:rPr lang="en-US" altLang="ko-KR" sz="1600" b="0">
+                          <a:solidFill>
+                            <a:schemeClr val="tx1"/>
+                          </a:solidFill>
+                        </a:rPr>
+                        <a:t>LFCB B</a:t>
+                      </a:r>
+                      <a:endParaRPr lang="ko-KR" altLang="en-US" sz="1600" b="0">
+                        <a:solidFill>
+                          <a:schemeClr val="tx1"/>
+                        </a:solidFill>
+                      </a:endParaRPr>
+                    </a:p>
+                  </a:txBody>
+                  <a:tcPr>
+                    <a:lnL w="12700" cap="flat" cmpd="sng" algn="ctr">
+                      <a:solidFill>
+                        <a:schemeClr val="tx1"/>
+                      </a:solidFill>
+                      <a:prstDash val="solid"/>
+                      <a:round/>
+                      <a:headEnd type="none" w="med" len="med"/>
+                      <a:tailEnd type="none" w="med" len="med"/>
+                    </a:lnL>
+                    <a:lnR w="12700" cap="flat" cmpd="sng" algn="ctr">
+                      <a:solidFill>
+                        <a:schemeClr val="tx1"/>
+                      </a:solidFill>
+                      <a:prstDash val="solid"/>
+                      <a:round/>
+                      <a:headEnd type="none" w="med" len="med"/>
+                      <a:tailEnd type="none" w="med" len="med"/>
+                    </a:lnR>
+                    <a:lnT w="12700" cap="flat" cmpd="sng" algn="ctr">
+                      <a:solidFill>
+                        <a:schemeClr val="tx1"/>
+                      </a:solidFill>
+                      <a:prstDash val="solid"/>
+                      <a:round/>
+                      <a:headEnd type="none" w="med" len="med"/>
+                      <a:tailEnd type="none" w="med" len="med"/>
+                    </a:lnT>
+                    <a:lnB w="12700" cap="flat" cmpd="sng" algn="ctr">
+                      <a:solidFill>
+                        <a:schemeClr val="tx1"/>
+                      </a:solidFill>
+                      <a:prstDash val="solid"/>
+                      <a:round/>
+                      <a:headEnd type="none" w="med" len="med"/>
+                      <a:tailEnd type="none" w="med" len="med"/>
+                    </a:lnB>
+                    <a:lnTlToBr w="12700" cmpd="sng">
+                      <a:noFill/>
+                      <a:prstDash val="solid"/>
+                    </a:lnTlToBr>
+                    <a:lnBlToTr w="12700" cmpd="sng">
+                      <a:noFill/>
+                      <a:prstDash val="solid"/>
+                    </a:lnBlToTr>
+                    <a:solidFill>
+                      <a:schemeClr val="accent4">
+                        <a:lumMod val="20000"/>
+                        <a:lumOff val="80000"/>
+                      </a:schemeClr>
+                    </a:solidFill>
+                  </a:tcPr>
+                </a:tc>
+                <a:extLst>
+                  <a:ext uri="{0D108BD9-81ED-4DB2-BD59-A6C34878D82A}">
+                    <a16:rowId xmlns:a16="http://schemas.microsoft.com/office/drawing/2014/main" val="1550742067"/>
+                  </a:ext>
+                </a:extLst>
+              </a:tr>
+              <a:tr h="370840">
+                <a:tc>
+                  <a:txBody>
+                    <a:bodyPr/>
+                    <a:lstStyle/>
+                    <a:p>
+                      <a:pPr algn="ctr" latinLnBrk="1"/>
+                      <a:r>
+                        <a:rPr lang="en-US" altLang="ko-KR" sz="1600" b="1">
+                          <a:solidFill>
+                            <a:schemeClr val="tx1"/>
+                          </a:solidFill>
+                        </a:rPr>
+                        <a:t>ret_ctr</a:t>
+                      </a:r>
+                      <a:endParaRPr lang="ko-KR" altLang="en-US" sz="1600" b="1">
+                        <a:solidFill>
+                          <a:schemeClr val="tx1"/>
+                        </a:solidFill>
+                      </a:endParaRPr>
+                    </a:p>
+                  </a:txBody>
+                  <a:tcPr>
+                    <a:lnL w="12700" cap="flat" cmpd="sng" algn="ctr">
+                      <a:solidFill>
+                        <a:schemeClr val="tx1"/>
+                      </a:solidFill>
+                      <a:prstDash val="solid"/>
+                      <a:round/>
+                      <a:headEnd type="none" w="med" len="med"/>
+                      <a:tailEnd type="none" w="med" len="med"/>
+                    </a:lnL>
+                    <a:lnR w="12700" cap="flat" cmpd="sng" algn="ctr">
+                      <a:solidFill>
+                        <a:schemeClr val="tx1"/>
+                      </a:solidFill>
+                      <a:prstDash val="solid"/>
+                      <a:round/>
+                      <a:headEnd type="none" w="med" len="med"/>
+                      <a:tailEnd type="none" w="med" len="med"/>
+                    </a:lnR>
+                    <a:lnT w="12700" cap="flat" cmpd="sng" algn="ctr">
+                      <a:solidFill>
+                        <a:schemeClr val="tx1"/>
+                      </a:solidFill>
+                      <a:prstDash val="solid"/>
+                      <a:round/>
+                      <a:headEnd type="none" w="med" len="med"/>
+                      <a:tailEnd type="none" w="med" len="med"/>
+                    </a:lnT>
+                    <a:lnB w="12700" cap="flat" cmpd="sng" algn="ctr">
+                      <a:solidFill>
+                        <a:schemeClr val="tx1"/>
+                      </a:solidFill>
+                      <a:prstDash val="solid"/>
+                      <a:round/>
+                      <a:headEnd type="none" w="med" len="med"/>
+                      <a:tailEnd type="none" w="med" len="med"/>
+                    </a:lnB>
+                    <a:lnTlToBr w="12700" cmpd="sng">
+                      <a:noFill/>
+                      <a:prstDash val="solid"/>
+                    </a:lnTlToBr>
+                    <a:lnBlToTr w="12700" cmpd="sng">
+                      <a:noFill/>
+                      <a:prstDash val="solid"/>
+                    </a:lnBlToTr>
+                    <a:solidFill>
+                      <a:schemeClr val="accent4"/>
+                    </a:solidFill>
+                  </a:tcPr>
+                </a:tc>
+                <a:tc>
+                  <a:txBody>
+                    <a:bodyPr/>
+                    <a:lstStyle/>
+                    <a:p>
+                      <a:pPr algn="ctr" latinLnBrk="1"/>
+                      <a:r>
+                        <a:rPr lang="en-US" altLang="ko-KR" sz="1600" b="1">
+                          <a:solidFill>
+                            <a:schemeClr val="tx1"/>
+                          </a:solidFill>
+                        </a:rPr>
+                        <a:t>T</a:t>
+                      </a:r>
+                      <a:endParaRPr lang="ko-KR" altLang="en-US" sz="1600" b="1">
+                        <a:solidFill>
+                          <a:schemeClr val="tx1"/>
+                        </a:solidFill>
+                      </a:endParaRPr>
+                    </a:p>
+                  </a:txBody>
+                  <a:tcPr>
+                    <a:lnL w="12700" cap="flat" cmpd="sng" algn="ctr">
+                      <a:solidFill>
+                        <a:schemeClr val="tx1"/>
+                      </a:solidFill>
+                      <a:prstDash val="solid"/>
+                      <a:round/>
+                      <a:headEnd type="none" w="med" len="med"/>
+                      <a:tailEnd type="none" w="med" len="med"/>
+                    </a:lnL>
+                    <a:lnR w="12700" cap="flat" cmpd="sng" algn="ctr">
+                      <a:solidFill>
+                        <a:schemeClr val="tx1"/>
+                      </a:solidFill>
+                      <a:prstDash val="solid"/>
+                      <a:round/>
+                      <a:headEnd type="none" w="med" len="med"/>
+                      <a:tailEnd type="none" w="med" len="med"/>
+                    </a:lnR>
+                    <a:lnT w="12700" cap="flat" cmpd="sng" algn="ctr">
+                      <a:solidFill>
+                        <a:schemeClr val="tx1"/>
+                      </a:solidFill>
+                      <a:prstDash val="solid"/>
+                      <a:round/>
+                      <a:headEnd type="none" w="med" len="med"/>
+                      <a:tailEnd type="none" w="med" len="med"/>
+                    </a:lnT>
+                    <a:lnB w="12700" cap="flat" cmpd="sng" algn="ctr">
+                      <a:solidFill>
+                        <a:schemeClr val="tx1"/>
+                      </a:solidFill>
+                      <a:prstDash val="solid"/>
+                      <a:round/>
+                      <a:headEnd type="none" w="med" len="med"/>
+                      <a:tailEnd type="none" w="med" len="med"/>
+                    </a:lnB>
+                    <a:lnTlToBr w="12700" cmpd="sng">
+                      <a:noFill/>
+                      <a:prstDash val="solid"/>
+                    </a:lnTlToBr>
+                    <a:lnBlToTr w="12700" cmpd="sng">
+                      <a:noFill/>
+                      <a:prstDash val="solid"/>
+                    </a:lnBlToTr>
+                    <a:solidFill>
+                      <a:schemeClr val="accent1"/>
+                    </a:solidFill>
+                  </a:tcPr>
+                </a:tc>
+                <a:tc>
+                  <a:txBody>
+                    <a:bodyPr/>
+                    <a:lstStyle/>
+                    <a:p>
+                      <a:pPr algn="ctr" latinLnBrk="1"/>
+                      <a:r>
+                        <a:rPr lang="en-US" altLang="ko-KR" sz="1600">
+                          <a:solidFill>
+                            <a:schemeClr val="tx1"/>
+                          </a:solidFill>
+                        </a:rPr>
+                        <a:t>-</a:t>
+                      </a:r>
+                      <a:endParaRPr lang="ko-KR" altLang="en-US" sz="1600">
+                        <a:solidFill>
+                          <a:schemeClr val="tx1"/>
+                        </a:solidFill>
+                      </a:endParaRPr>
+                    </a:p>
+                  </a:txBody>
+                  <a:tcPr>
+                    <a:lnL w="12700" cap="flat" cmpd="sng" algn="ctr">
+                      <a:solidFill>
+                        <a:schemeClr val="tx1"/>
+                      </a:solidFill>
+                      <a:prstDash val="solid"/>
+                      <a:round/>
+                      <a:headEnd type="none" w="med" len="med"/>
+                      <a:tailEnd type="none" w="med" len="med"/>
+                    </a:lnL>
+                    <a:lnR w="12700" cap="flat" cmpd="sng" algn="ctr">
+                      <a:solidFill>
+                        <a:schemeClr val="tx1"/>
+                      </a:solidFill>
+                      <a:prstDash val="solid"/>
+                      <a:round/>
+                      <a:headEnd type="none" w="med" len="med"/>
+                      <a:tailEnd type="none" w="med" len="med"/>
+                    </a:lnR>
+                    <a:lnT w="12700" cap="flat" cmpd="sng" algn="ctr">
+                      <a:solidFill>
+                        <a:schemeClr val="tx1"/>
+                      </a:solidFill>
+                      <a:prstDash val="solid"/>
+                      <a:round/>
+                      <a:headEnd type="none" w="med" len="med"/>
+                      <a:tailEnd type="none" w="med" len="med"/>
+                    </a:lnT>
+                    <a:lnB w="12700" cap="flat" cmpd="sng" algn="ctr">
+                      <a:solidFill>
+                        <a:schemeClr val="tx1"/>
+                      </a:solidFill>
+                      <a:prstDash val="solid"/>
+                      <a:round/>
+                      <a:headEnd type="none" w="med" len="med"/>
+                      <a:tailEnd type="none" w="med" len="med"/>
+                    </a:lnB>
+                    <a:lnTlToBr w="12700" cmpd="sng">
+                      <a:noFill/>
+                      <a:prstDash val="solid"/>
+                    </a:lnTlToBr>
+                    <a:lnBlToTr w="12700" cmpd="sng">
+                      <a:noFill/>
+                      <a:prstDash val="solid"/>
+                    </a:lnBlToTr>
+                    <a:solidFill>
+                      <a:schemeClr val="accent1">
+                        <a:lumMod val="20000"/>
+                        <a:lumOff val="80000"/>
+                      </a:schemeClr>
+                    </a:solidFill>
+                  </a:tcPr>
+                </a:tc>
+                <a:tc>
+                  <a:txBody>
+                    <a:bodyPr/>
+                    <a:lstStyle/>
+                    <a:p>
+                      <a:pPr algn="ctr" latinLnBrk="1"/>
+                      <a:r>
+                        <a:rPr lang="en-US" altLang="ko-KR" sz="1600">
+                          <a:solidFill>
+                            <a:schemeClr val="tx1"/>
+                          </a:solidFill>
+                        </a:rPr>
+                        <a:t>T1</a:t>
+                      </a:r>
+                      <a:endParaRPr lang="ko-KR" altLang="en-US" sz="1600">
+                        <a:solidFill>
+                          <a:schemeClr val="tx1"/>
+                        </a:solidFill>
+                      </a:endParaRPr>
+                    </a:p>
+                  </a:txBody>
+                  <a:tcPr>
+                    <a:lnL w="12700" cap="flat" cmpd="sng" algn="ctr">
+                      <a:solidFill>
+                        <a:schemeClr val="tx1"/>
+                      </a:solidFill>
+                      <a:prstDash val="solid"/>
+                      <a:round/>
+                      <a:headEnd type="none" w="med" len="med"/>
+                      <a:tailEnd type="none" w="med" len="med"/>
+                    </a:lnL>
+                    <a:lnR w="12700" cap="flat" cmpd="sng" algn="ctr">
+                      <a:solidFill>
+                        <a:schemeClr val="tx1"/>
+                      </a:solidFill>
+                      <a:prstDash val="solid"/>
+                      <a:round/>
+                      <a:headEnd type="none" w="med" len="med"/>
+                      <a:tailEnd type="none" w="med" len="med"/>
+                    </a:lnR>
+                    <a:lnT w="12700" cap="flat" cmpd="sng" algn="ctr">
+                      <a:solidFill>
+                        <a:schemeClr val="tx1"/>
+                      </a:solidFill>
+                      <a:prstDash val="solid"/>
+                      <a:round/>
+                      <a:headEnd type="none" w="med" len="med"/>
+                      <a:tailEnd type="none" w="med" len="med"/>
+                    </a:lnT>
+                    <a:lnB w="12700" cap="flat" cmpd="sng" algn="ctr">
+                      <a:solidFill>
+                        <a:schemeClr val="tx1"/>
+                      </a:solidFill>
+                      <a:prstDash val="solid"/>
+                      <a:round/>
+                      <a:headEnd type="none" w="med" len="med"/>
+                      <a:tailEnd type="none" w="med" len="med"/>
+                    </a:lnB>
+                    <a:lnTlToBr w="12700" cmpd="sng">
+                      <a:noFill/>
+                      <a:prstDash val="solid"/>
+                    </a:lnTlToBr>
+                    <a:lnBlToTr w="12700" cmpd="sng">
+                      <a:noFill/>
+                      <a:prstDash val="solid"/>
+                    </a:lnBlToTr>
+                    <a:solidFill>
+                      <a:schemeClr val="accent1">
+                        <a:lumMod val="20000"/>
+                        <a:lumOff val="80000"/>
+                      </a:schemeClr>
+                    </a:solidFill>
+                  </a:tcPr>
+                </a:tc>
+                <a:tc>
+                  <a:txBody>
+                    <a:bodyPr/>
+                    <a:lstStyle/>
+                    <a:p>
+                      <a:pPr algn="ctr" latinLnBrk="1"/>
+                      <a:r>
+                        <a:rPr lang="en-US" altLang="ko-KR" sz="1600">
+                          <a:solidFill>
+                            <a:schemeClr val="tx1"/>
+                          </a:solidFill>
+                        </a:rPr>
+                        <a:t>T2</a:t>
+                      </a:r>
+                      <a:endParaRPr lang="ko-KR" altLang="en-US" sz="1600">
+                        <a:solidFill>
+                          <a:schemeClr val="tx1"/>
+                        </a:solidFill>
+                      </a:endParaRPr>
+                    </a:p>
+                  </a:txBody>
+                  <a:tcPr>
+                    <a:lnL w="12700" cap="flat" cmpd="sng" algn="ctr">
+                      <a:solidFill>
+                        <a:schemeClr val="tx1"/>
+                      </a:solidFill>
+                      <a:prstDash val="solid"/>
+                      <a:round/>
+                      <a:headEnd type="none" w="med" len="med"/>
+                      <a:tailEnd type="none" w="med" len="med"/>
+                    </a:lnL>
+                    <a:lnR w="12700" cap="flat" cmpd="sng" algn="ctr">
+                      <a:solidFill>
+                        <a:schemeClr val="tx1"/>
+                      </a:solidFill>
+                      <a:prstDash val="solid"/>
+                      <a:round/>
+                      <a:headEnd type="none" w="med" len="med"/>
+                      <a:tailEnd type="none" w="med" len="med"/>
+                    </a:lnR>
+                    <a:lnT w="12700" cap="flat" cmpd="sng" algn="ctr">
+                      <a:solidFill>
+                        <a:schemeClr val="tx1"/>
+                      </a:solidFill>
+                      <a:prstDash val="solid"/>
+                      <a:round/>
+                      <a:headEnd type="none" w="med" len="med"/>
+                      <a:tailEnd type="none" w="med" len="med"/>
+                    </a:lnT>
+                    <a:lnB w="12700" cap="flat" cmpd="sng" algn="ctr">
+                      <a:solidFill>
+                        <a:schemeClr val="tx1"/>
+                      </a:solidFill>
+                      <a:prstDash val="solid"/>
+                      <a:round/>
+                      <a:headEnd type="none" w="med" len="med"/>
+                      <a:tailEnd type="none" w="med" len="med"/>
+                    </a:lnB>
+                    <a:lnTlToBr w="12700" cmpd="sng">
+                      <a:noFill/>
+                      <a:prstDash val="solid"/>
+                    </a:lnTlToBr>
+                    <a:lnBlToTr w="12700" cmpd="sng">
+                      <a:noFill/>
+                      <a:prstDash val="solid"/>
+                    </a:lnBlToTr>
+                    <a:solidFill>
+                      <a:schemeClr val="accent1">
+                        <a:lumMod val="20000"/>
+                        <a:lumOff val="80000"/>
+                      </a:schemeClr>
+                    </a:solidFill>
+                  </a:tcPr>
+                </a:tc>
+                <a:tc>
+                  <a:txBody>
+                    <a:bodyPr/>
+                    <a:lstStyle/>
+                    <a:p>
+                      <a:pPr algn="ctr" latinLnBrk="1"/>
+                      <a:r>
+                        <a:rPr lang="en-US" altLang="ko-KR" sz="1600">
+                          <a:solidFill>
+                            <a:schemeClr val="tx1"/>
+                          </a:solidFill>
+                        </a:rPr>
+                        <a:t>T3</a:t>
+                      </a:r>
+                      <a:endParaRPr lang="ko-KR" altLang="en-US" sz="1600">
+                        <a:solidFill>
+                          <a:schemeClr val="tx1"/>
+                        </a:solidFill>
+                      </a:endParaRPr>
+                    </a:p>
+                  </a:txBody>
+                  <a:tcPr>
+                    <a:lnL w="12700" cap="flat" cmpd="sng" algn="ctr">
+                      <a:solidFill>
+                        <a:schemeClr val="tx1"/>
+                      </a:solidFill>
+                      <a:prstDash val="solid"/>
+                      <a:round/>
+                      <a:headEnd type="none" w="med" len="med"/>
+                      <a:tailEnd type="none" w="med" len="med"/>
+                    </a:lnL>
+                    <a:lnR w="12700" cap="flat" cmpd="sng" algn="ctr">
+                      <a:solidFill>
+                        <a:schemeClr val="tx1"/>
+                      </a:solidFill>
+                      <a:prstDash val="solid"/>
+                      <a:round/>
+                      <a:headEnd type="none" w="med" len="med"/>
+                      <a:tailEnd type="none" w="med" len="med"/>
+                    </a:lnR>
+                    <a:lnT w="12700" cap="flat" cmpd="sng" algn="ctr">
+                      <a:solidFill>
+                        <a:schemeClr val="tx1"/>
+                      </a:solidFill>
+                      <a:prstDash val="solid"/>
+                      <a:round/>
+                      <a:headEnd type="none" w="med" len="med"/>
+                      <a:tailEnd type="none" w="med" len="med"/>
+                    </a:lnT>
+                    <a:lnB w="12700" cap="flat" cmpd="sng" algn="ctr">
+                      <a:solidFill>
+                        <a:schemeClr val="tx1"/>
+                      </a:solidFill>
+                      <a:prstDash val="solid"/>
+                      <a:round/>
+                      <a:headEnd type="none" w="med" len="med"/>
+                      <a:tailEnd type="none" w="med" len="med"/>
+                    </a:lnB>
+                    <a:lnTlToBr w="12700" cmpd="sng">
+                      <a:noFill/>
+                      <a:prstDash val="solid"/>
+                    </a:lnTlToBr>
+                    <a:lnBlToTr w="12700" cmpd="sng">
+                      <a:noFill/>
+                      <a:prstDash val="solid"/>
+                    </a:lnBlToTr>
+                    <a:solidFill>
+                      <a:schemeClr val="accent1">
+                        <a:lumMod val="20000"/>
+                        <a:lumOff val="80000"/>
+                      </a:schemeClr>
+                    </a:solidFill>
+                  </a:tcPr>
+                </a:tc>
+                <a:extLst>
+                  <a:ext uri="{0D108BD9-81ED-4DB2-BD59-A6C34878D82A}">
+                    <a16:rowId xmlns:a16="http://schemas.microsoft.com/office/drawing/2014/main" val="2224862833"/>
+                  </a:ext>
+                </a:extLst>
+              </a:tr>
+              <a:tr h="370840">
+                <a:tc>
+                  <a:txBody>
+                    <a:bodyPr/>
+                    <a:lstStyle/>
+                    <a:p>
+                      <a:pPr algn="ctr" latinLnBrk="1"/>
+                      <a:r>
+                        <a:rPr lang="en-US" altLang="ko-KR" sz="1600">
+                          <a:solidFill>
+                            <a:schemeClr val="tx1"/>
+                          </a:solidFill>
+                        </a:rPr>
+                        <a:t>nullptr</a:t>
+                      </a:r>
+                      <a:endParaRPr lang="ko-KR" altLang="en-US" sz="1600">
+                        <a:solidFill>
+                          <a:schemeClr val="tx1"/>
+                        </a:solidFill>
+                      </a:endParaRPr>
+                    </a:p>
+                  </a:txBody>
+                  <a:tcPr>
+                    <a:lnL w="12700" cap="flat" cmpd="sng" algn="ctr">
+                      <a:solidFill>
+                        <a:schemeClr val="tx1"/>
+                      </a:solidFill>
+                      <a:prstDash val="solid"/>
+                      <a:round/>
+                      <a:headEnd type="none" w="med" len="med"/>
+                      <a:tailEnd type="none" w="med" len="med"/>
+                    </a:lnL>
+                    <a:lnR w="12700" cap="flat" cmpd="sng" algn="ctr">
+                      <a:solidFill>
+                        <a:schemeClr val="tx1"/>
+                      </a:solidFill>
+                      <a:prstDash val="solid"/>
+                      <a:round/>
+                      <a:headEnd type="none" w="med" len="med"/>
+                      <a:tailEnd type="none" w="med" len="med"/>
+                    </a:lnR>
+                    <a:lnT w="12700" cap="flat" cmpd="sng" algn="ctr">
+                      <a:solidFill>
+                        <a:schemeClr val="tx1"/>
+                      </a:solidFill>
+                      <a:prstDash val="solid"/>
+                      <a:round/>
+                      <a:headEnd type="none" w="med" len="med"/>
+                      <a:tailEnd type="none" w="med" len="med"/>
+                    </a:lnT>
+                    <a:lnB w="12700" cap="flat" cmpd="sng" algn="ctr">
+                      <a:solidFill>
+                        <a:schemeClr val="tx1"/>
+                      </a:solidFill>
+                      <a:prstDash val="solid"/>
+                      <a:round/>
+                      <a:headEnd type="none" w="med" len="med"/>
+                      <a:tailEnd type="none" w="med" len="med"/>
+                    </a:lnB>
+                    <a:lnTlToBr w="12700" cmpd="sng">
+                      <a:noFill/>
+                      <a:prstDash val="solid"/>
+                    </a:lnTlToBr>
+                    <a:lnBlToTr w="12700" cmpd="sng">
+                      <a:noFill/>
+                      <a:prstDash val="solid"/>
+                    </a:lnBlToTr>
+                    <a:solidFill>
+                      <a:schemeClr val="accent4">
+                        <a:lumMod val="20000"/>
+                        <a:lumOff val="80000"/>
+                      </a:schemeClr>
+                    </a:solidFill>
+                  </a:tcPr>
+                </a:tc>
+                <a:tc>
+                  <a:txBody>
+                    <a:bodyPr/>
+                    <a:lstStyle/>
+                    <a:p>
+                      <a:pPr algn="ctr" latinLnBrk="1"/>
+                      <a:r>
+                        <a:rPr lang="en-US" altLang="ko-KR" sz="1600">
+                          <a:solidFill>
+                            <a:schemeClr val="tx1"/>
+                          </a:solidFill>
+                        </a:rPr>
+                        <a:t>-</a:t>
+                      </a:r>
+                      <a:endParaRPr lang="ko-KR" altLang="en-US" sz="1600">
+                        <a:solidFill>
+                          <a:schemeClr val="tx1"/>
+                        </a:solidFill>
+                      </a:endParaRPr>
+                    </a:p>
+                  </a:txBody>
+                  <a:tcPr>
+                    <a:lnL w="12700" cap="flat" cmpd="sng" algn="ctr">
+                      <a:solidFill>
+                        <a:schemeClr val="tx1"/>
+                      </a:solidFill>
+                      <a:prstDash val="solid"/>
+                      <a:round/>
+                      <a:headEnd type="none" w="med" len="med"/>
+                      <a:tailEnd type="none" w="med" len="med"/>
+                    </a:lnL>
+                    <a:lnR w="12700" cap="flat" cmpd="sng" algn="ctr">
+                      <a:solidFill>
+                        <a:schemeClr val="tx1"/>
+                      </a:solidFill>
+                      <a:prstDash val="solid"/>
+                      <a:round/>
+                      <a:headEnd type="none" w="med" len="med"/>
+                      <a:tailEnd type="none" w="med" len="med"/>
+                    </a:lnR>
+                    <a:lnT w="12700" cap="flat" cmpd="sng" algn="ctr">
+                      <a:solidFill>
+                        <a:schemeClr val="tx1"/>
+                      </a:solidFill>
+                      <a:prstDash val="solid"/>
+                      <a:round/>
+                      <a:headEnd type="none" w="med" len="med"/>
+                      <a:tailEnd type="none" w="med" len="med"/>
+                    </a:lnT>
+                    <a:lnB w="12700" cap="flat" cmpd="sng" algn="ctr">
+                      <a:solidFill>
+                        <a:schemeClr val="tx1"/>
+                      </a:solidFill>
+                      <a:prstDash val="solid"/>
+                      <a:round/>
+                      <a:headEnd type="none" w="med" len="med"/>
+                      <a:tailEnd type="none" w="med" len="med"/>
+                    </a:lnB>
+                    <a:lnTlToBr w="12700" cmpd="sng">
+                      <a:noFill/>
+                      <a:prstDash val="solid"/>
+                    </a:lnTlToBr>
+                    <a:lnBlToTr w="12700" cmpd="sng">
+                      <a:noFill/>
+                      <a:prstDash val="solid"/>
+                    </a:lnBlToTr>
+                    <a:solidFill>
+                      <a:schemeClr val="accent1">
+                        <a:lumMod val="20000"/>
+                        <a:lumOff val="80000"/>
+                      </a:schemeClr>
+                    </a:solidFill>
+                  </a:tcPr>
+                </a:tc>
+                <a:tc>
+                  <a:txBody>
+                    <a:bodyPr/>
+                    <a:lstStyle/>
+                    <a:p>
+                      <a:pPr algn="ctr" latinLnBrk="1"/>
+                      <a:r>
+                        <a:rPr lang="en-US" altLang="ko-KR" sz="1600">
+                          <a:solidFill>
+                            <a:schemeClr val="tx1"/>
+                          </a:solidFill>
+                          <a:latin typeface="돋움체" panose="020B0609000101010101" pitchFamily="49" charset="-127"/>
+                          <a:ea typeface="돋움체" panose="020B0609000101010101" pitchFamily="49" charset="-127"/>
+                        </a:rPr>
+                        <a:t>(1)</a:t>
+                      </a:r>
+                      <a:endParaRPr lang="ko-KR" altLang="en-US" sz="1600">
+                        <a:solidFill>
+                          <a:schemeClr val="tx1"/>
+                        </a:solidFill>
+                      </a:endParaRPr>
+                    </a:p>
+                  </a:txBody>
+                  <a:tcPr>
+                    <a:lnL w="12700" cap="flat" cmpd="sng" algn="ctr">
+                      <a:solidFill>
+                        <a:schemeClr val="tx1"/>
+                      </a:solidFill>
+                      <a:prstDash val="solid"/>
+                      <a:round/>
+                      <a:headEnd type="none" w="med" len="med"/>
+                      <a:tailEnd type="none" w="med" len="med"/>
+                    </a:lnL>
+                    <a:lnR w="12700" cap="flat" cmpd="sng" algn="ctr">
+                      <a:solidFill>
+                        <a:schemeClr val="tx1"/>
+                      </a:solidFill>
+                      <a:prstDash val="solid"/>
+                      <a:round/>
+                      <a:headEnd type="none" w="med" len="med"/>
+                      <a:tailEnd type="none" w="med" len="med"/>
+                    </a:lnR>
+                    <a:lnT w="12700" cap="flat" cmpd="sng" algn="ctr">
+                      <a:solidFill>
+                        <a:schemeClr val="tx1"/>
+                      </a:solidFill>
+                      <a:prstDash val="solid"/>
+                      <a:round/>
+                      <a:headEnd type="none" w="med" len="med"/>
+                      <a:tailEnd type="none" w="med" len="med"/>
+                    </a:lnT>
+                    <a:lnB w="12700" cap="flat" cmpd="sng" algn="ctr">
+                      <a:solidFill>
+                        <a:schemeClr val="tx1"/>
+                      </a:solidFill>
+                      <a:prstDash val="solid"/>
+                      <a:round/>
+                      <a:headEnd type="none" w="med" len="med"/>
+                      <a:tailEnd type="none" w="med" len="med"/>
+                    </a:lnB>
+                    <a:lnTlToBr w="12700" cmpd="sng">
+                      <a:noFill/>
+                      <a:prstDash val="solid"/>
+                    </a:lnTlToBr>
+                    <a:lnBlToTr w="12700" cmpd="sng">
+                      <a:noFill/>
+                      <a:prstDash val="solid"/>
+                    </a:lnBlToTr>
+                    <a:noFill/>
+                  </a:tcPr>
+                </a:tc>
+                <a:tc>
+                  <a:txBody>
+                    <a:bodyPr/>
+                    <a:lstStyle/>
+                    <a:p>
+                      <a:pPr algn="ctr" latinLnBrk="1"/>
+                      <a:r>
+                        <a:rPr lang="en-US" altLang="ko-KR" sz="1600">
+                          <a:solidFill>
+                            <a:schemeClr val="tx1"/>
+                          </a:solidFill>
+                          <a:latin typeface="돋움체" panose="020B0609000101010101" pitchFamily="49" charset="-127"/>
+                          <a:ea typeface="돋움체" panose="020B0609000101010101" pitchFamily="49" charset="-127"/>
+                        </a:rPr>
+                        <a:t>(2)</a:t>
+                      </a:r>
+                      <a:endParaRPr lang="ko-KR" altLang="en-US" sz="1600">
+                        <a:solidFill>
+                          <a:schemeClr val="tx1"/>
+                        </a:solidFill>
+                      </a:endParaRPr>
+                    </a:p>
+                  </a:txBody>
+                  <a:tcPr>
+                    <a:lnL w="12700" cap="flat" cmpd="sng" algn="ctr">
+                      <a:solidFill>
+                        <a:schemeClr val="tx1"/>
+                      </a:solidFill>
+                      <a:prstDash val="solid"/>
+                      <a:round/>
+                      <a:headEnd type="none" w="med" len="med"/>
+                      <a:tailEnd type="none" w="med" len="med"/>
+                    </a:lnL>
+                    <a:lnR w="12700" cap="flat" cmpd="sng" algn="ctr">
+                      <a:solidFill>
+                        <a:schemeClr val="tx1"/>
+                      </a:solidFill>
+                      <a:prstDash val="solid"/>
+                      <a:round/>
+                      <a:headEnd type="none" w="med" len="med"/>
+                      <a:tailEnd type="none" w="med" len="med"/>
+                    </a:lnR>
+                    <a:lnT w="12700" cap="flat" cmpd="sng" algn="ctr">
+                      <a:solidFill>
+                        <a:schemeClr val="tx1"/>
+                      </a:solidFill>
+                      <a:prstDash val="solid"/>
+                      <a:round/>
+                      <a:headEnd type="none" w="med" len="med"/>
+                      <a:tailEnd type="none" w="med" len="med"/>
+                    </a:lnT>
+                    <a:lnB w="12700" cap="flat" cmpd="sng" algn="ctr">
+                      <a:solidFill>
+                        <a:schemeClr val="tx1"/>
+                      </a:solidFill>
+                      <a:prstDash val="solid"/>
+                      <a:round/>
+                      <a:headEnd type="none" w="med" len="med"/>
+                      <a:tailEnd type="none" w="med" len="med"/>
+                    </a:lnB>
+                    <a:lnTlToBr w="12700" cmpd="sng">
+                      <a:noFill/>
+                      <a:prstDash val="solid"/>
+                    </a:lnTlToBr>
+                    <a:lnBlToTr w="12700" cmpd="sng">
+                      <a:noFill/>
+                      <a:prstDash val="solid"/>
+                    </a:lnBlToTr>
+                    <a:noFill/>
+                  </a:tcPr>
+                </a:tc>
+                <a:tc>
+                  <a:txBody>
+                    <a:bodyPr/>
+                    <a:lstStyle/>
+                    <a:p>
+                      <a:pPr algn="ctr" latinLnBrk="1"/>
+                      <a:r>
+                        <a:rPr lang="en-US" altLang="ko-KR" sz="1600">
+                          <a:solidFill>
+                            <a:schemeClr val="tx1"/>
+                          </a:solidFill>
+                          <a:latin typeface="돋움체" panose="020B0609000101010101" pitchFamily="49" charset="-127"/>
+                          <a:ea typeface="돋움체" panose="020B0609000101010101" pitchFamily="49" charset="-127"/>
+                        </a:rPr>
+                        <a:t>(3)</a:t>
+                      </a:r>
+                      <a:endParaRPr lang="ko-KR" altLang="en-US" sz="1600">
+                        <a:solidFill>
+                          <a:schemeClr val="tx1"/>
+                        </a:solidFill>
+                      </a:endParaRPr>
+                    </a:p>
+                  </a:txBody>
+                  <a:tcPr>
+                    <a:lnL w="12700" cap="flat" cmpd="sng" algn="ctr">
+                      <a:solidFill>
+                        <a:schemeClr val="tx1"/>
+                      </a:solidFill>
+                      <a:prstDash val="solid"/>
+                      <a:round/>
+                      <a:headEnd type="none" w="med" len="med"/>
+                      <a:tailEnd type="none" w="med" len="med"/>
+                    </a:lnL>
+                    <a:lnR w="12700" cap="flat" cmpd="sng" algn="ctr">
+                      <a:solidFill>
+                        <a:schemeClr val="tx1"/>
+                      </a:solidFill>
+                      <a:prstDash val="solid"/>
+                      <a:round/>
+                      <a:headEnd type="none" w="med" len="med"/>
+                      <a:tailEnd type="none" w="med" len="med"/>
+                    </a:lnR>
+                    <a:lnT w="12700" cap="flat" cmpd="sng" algn="ctr">
+                      <a:solidFill>
+                        <a:schemeClr val="tx1"/>
+                      </a:solidFill>
+                      <a:prstDash val="solid"/>
+                      <a:round/>
+                      <a:headEnd type="none" w="med" len="med"/>
+                      <a:tailEnd type="none" w="med" len="med"/>
+                    </a:lnT>
+                    <a:lnB w="12700" cap="flat" cmpd="sng" algn="ctr">
+                      <a:solidFill>
+                        <a:schemeClr val="tx1"/>
+                      </a:solidFill>
+                      <a:prstDash val="solid"/>
+                      <a:round/>
+                      <a:headEnd type="none" w="med" len="med"/>
+                      <a:tailEnd type="none" w="med" len="med"/>
+                    </a:lnB>
+                    <a:lnTlToBr w="12700" cmpd="sng">
+                      <a:noFill/>
+                      <a:prstDash val="solid"/>
+                    </a:lnTlToBr>
+                    <a:lnBlToTr w="12700" cmpd="sng">
+                      <a:noFill/>
+                      <a:prstDash val="solid"/>
+                    </a:lnBlToTr>
+                    <a:noFill/>
+                  </a:tcPr>
+                </a:tc>
+                <a:tc>
+                  <a:txBody>
+                    <a:bodyPr/>
+                    <a:lstStyle/>
+                    <a:p>
+                      <a:pPr algn="ctr" latinLnBrk="1"/>
+                      <a:r>
+                        <a:rPr lang="en-US" altLang="ko-KR" sz="1600">
+                          <a:solidFill>
+                            <a:schemeClr val="tx1"/>
+                          </a:solidFill>
+                          <a:latin typeface="돋움체" panose="020B0609000101010101" pitchFamily="49" charset="-127"/>
+                          <a:ea typeface="돋움체" panose="020B0609000101010101" pitchFamily="49" charset="-127"/>
+                        </a:rPr>
+                        <a:t>(4)</a:t>
+                      </a:r>
+                      <a:endParaRPr lang="ko-KR" altLang="en-US" sz="1600">
+                        <a:solidFill>
+                          <a:schemeClr val="tx1"/>
+                        </a:solidFill>
+                      </a:endParaRPr>
+                    </a:p>
+                  </a:txBody>
+                  <a:tcPr>
+                    <a:lnL w="12700" cap="flat" cmpd="sng" algn="ctr">
+                      <a:solidFill>
+                        <a:schemeClr val="tx1"/>
+                      </a:solidFill>
+                      <a:prstDash val="solid"/>
+                      <a:round/>
+                      <a:headEnd type="none" w="med" len="med"/>
+                      <a:tailEnd type="none" w="med" len="med"/>
+                    </a:lnL>
+                    <a:lnR w="12700" cap="flat" cmpd="sng" algn="ctr">
+                      <a:solidFill>
+                        <a:schemeClr val="tx1"/>
+                      </a:solidFill>
+                      <a:prstDash val="solid"/>
+                      <a:round/>
+                      <a:headEnd type="none" w="med" len="med"/>
+                      <a:tailEnd type="none" w="med" len="med"/>
+                    </a:lnR>
+                    <a:lnT w="12700" cap="flat" cmpd="sng" algn="ctr">
+                      <a:solidFill>
+                        <a:schemeClr val="tx1"/>
+                      </a:solidFill>
+                      <a:prstDash val="solid"/>
+                      <a:round/>
+                      <a:headEnd type="none" w="med" len="med"/>
+                      <a:tailEnd type="none" w="med" len="med"/>
+                    </a:lnT>
+                    <a:lnB w="12700" cap="flat" cmpd="sng" algn="ctr">
+                      <a:solidFill>
+                        <a:schemeClr val="tx1"/>
+                      </a:solidFill>
+                      <a:prstDash val="solid"/>
+                      <a:round/>
+                      <a:headEnd type="none" w="med" len="med"/>
+                      <a:tailEnd type="none" w="med" len="med"/>
+                    </a:lnB>
+                    <a:lnTlToBr w="12700" cmpd="sng">
+                      <a:noFill/>
+                      <a:prstDash val="solid"/>
+                    </a:lnTlToBr>
+                    <a:lnBlToTr w="12700" cmpd="sng">
+                      <a:noFill/>
+                      <a:prstDash val="solid"/>
+                    </a:lnBlToTr>
+                    <a:noFill/>
+                  </a:tcPr>
+                </a:tc>
+                <a:extLst>
+                  <a:ext uri="{0D108BD9-81ED-4DB2-BD59-A6C34878D82A}">
+                    <a16:rowId xmlns:a16="http://schemas.microsoft.com/office/drawing/2014/main" val="2672960718"/>
+                  </a:ext>
+                </a:extLst>
+              </a:tr>
+              <a:tr h="370840">
+                <a:tc>
+                  <a:txBody>
+                    <a:bodyPr/>
+                    <a:lstStyle/>
+                    <a:p>
+                      <a:pPr algn="ctr" latinLnBrk="1"/>
+                      <a:r>
+                        <a:rPr lang="en-US" altLang="ko-KR" sz="1600">
+                          <a:solidFill>
+                            <a:schemeClr val="tx1"/>
+                          </a:solidFill>
+                        </a:rPr>
+                        <a:t>LFCB A</a:t>
+                      </a:r>
+                      <a:endParaRPr lang="ko-KR" altLang="en-US" sz="1600">
+                        <a:solidFill>
+                          <a:schemeClr val="tx1"/>
+                        </a:solidFill>
+                      </a:endParaRPr>
+                    </a:p>
+                  </a:txBody>
+                  <a:tcPr>
+                    <a:lnL w="12700" cap="flat" cmpd="sng" algn="ctr">
+                      <a:solidFill>
+                        <a:schemeClr val="tx1"/>
+                      </a:solidFill>
+                      <a:prstDash val="solid"/>
+                      <a:round/>
+                      <a:headEnd type="none" w="med" len="med"/>
+                      <a:tailEnd type="none" w="med" len="med"/>
+                    </a:lnL>
+                    <a:lnR w="12700" cap="flat" cmpd="sng" algn="ctr">
+                      <a:solidFill>
+                        <a:schemeClr val="tx1"/>
+                      </a:solidFill>
+                      <a:prstDash val="solid"/>
+                      <a:round/>
+                      <a:headEnd type="none" w="med" len="med"/>
+                      <a:tailEnd type="none" w="med" len="med"/>
+                    </a:lnR>
+                    <a:lnT w="12700" cap="flat" cmpd="sng" algn="ctr">
+                      <a:solidFill>
+                        <a:schemeClr val="tx1"/>
+                      </a:solidFill>
+                      <a:prstDash val="solid"/>
+                      <a:round/>
+                      <a:headEnd type="none" w="med" len="med"/>
+                      <a:tailEnd type="none" w="med" len="med"/>
+                    </a:lnT>
+                    <a:lnB w="12700" cap="flat" cmpd="sng" algn="ctr">
+                      <a:solidFill>
+                        <a:schemeClr val="tx1"/>
+                      </a:solidFill>
+                      <a:prstDash val="solid"/>
+                      <a:round/>
+                      <a:headEnd type="none" w="med" len="med"/>
+                      <a:tailEnd type="none" w="med" len="med"/>
+                    </a:lnB>
+                    <a:lnTlToBr w="12700" cmpd="sng">
+                      <a:noFill/>
+                      <a:prstDash val="solid"/>
+                    </a:lnTlToBr>
+                    <a:lnBlToTr w="12700" cmpd="sng">
+                      <a:noFill/>
+                      <a:prstDash val="solid"/>
+                    </a:lnBlToTr>
+                    <a:solidFill>
+                      <a:schemeClr val="accent4">
+                        <a:lumMod val="20000"/>
+                        <a:lumOff val="80000"/>
+                      </a:schemeClr>
+                    </a:solidFill>
+                  </a:tcPr>
+                </a:tc>
+                <a:tc>
+                  <a:txBody>
+                    <a:bodyPr/>
+                    <a:lstStyle/>
+                    <a:p>
+                      <a:pPr algn="ctr" latinLnBrk="1"/>
+                      <a:r>
+                        <a:rPr lang="en-US" altLang="ko-KR" sz="1600">
+                          <a:solidFill>
+                            <a:schemeClr val="tx1"/>
+                          </a:solidFill>
+                        </a:rPr>
+                        <a:t>T1 / T2</a:t>
+                      </a:r>
+                      <a:endParaRPr lang="ko-KR" altLang="en-US" sz="1600">
+                        <a:solidFill>
+                          <a:schemeClr val="tx1"/>
+                        </a:solidFill>
+                      </a:endParaRPr>
+                    </a:p>
+                  </a:txBody>
+                  <a:tcPr>
+                    <a:lnL w="12700" cap="flat" cmpd="sng" algn="ctr">
+                      <a:solidFill>
+                        <a:schemeClr val="tx1"/>
+                      </a:solidFill>
+                      <a:prstDash val="solid"/>
+                      <a:round/>
+                      <a:headEnd type="none" w="med" len="med"/>
+                      <a:tailEnd type="none" w="med" len="med"/>
+                    </a:lnL>
+                    <a:lnR w="12700" cap="flat" cmpd="sng" algn="ctr">
+                      <a:solidFill>
+                        <a:schemeClr val="tx1"/>
+                      </a:solidFill>
+                      <a:prstDash val="solid"/>
+                      <a:round/>
+                      <a:headEnd type="none" w="med" len="med"/>
+                      <a:tailEnd type="none" w="med" len="med"/>
+                    </a:lnR>
+                    <a:lnT w="12700" cap="flat" cmpd="sng" algn="ctr">
+                      <a:solidFill>
+                        <a:schemeClr val="tx1"/>
+                      </a:solidFill>
+                      <a:prstDash val="solid"/>
+                      <a:round/>
+                      <a:headEnd type="none" w="med" len="med"/>
+                      <a:tailEnd type="none" w="med" len="med"/>
+                    </a:lnT>
+                    <a:lnB w="12700" cap="flat" cmpd="sng" algn="ctr">
+                      <a:solidFill>
+                        <a:schemeClr val="tx1"/>
+                      </a:solidFill>
+                      <a:prstDash val="solid"/>
+                      <a:round/>
+                      <a:headEnd type="none" w="med" len="med"/>
+                      <a:tailEnd type="none" w="med" len="med"/>
+                    </a:lnB>
+                    <a:lnTlToBr w="12700" cmpd="sng">
+                      <a:noFill/>
+                      <a:prstDash val="solid"/>
+                    </a:lnTlToBr>
+                    <a:lnBlToTr w="12700" cmpd="sng">
+                      <a:noFill/>
+                      <a:prstDash val="solid"/>
+                    </a:lnBlToTr>
+                    <a:solidFill>
+                      <a:schemeClr val="accent1">
+                        <a:lumMod val="20000"/>
+                        <a:lumOff val="80000"/>
+                      </a:schemeClr>
+                    </a:solidFill>
+                  </a:tcPr>
+                </a:tc>
+                <a:tc>
+                  <a:txBody>
+                    <a:bodyPr/>
+                    <a:lstStyle/>
+                    <a:p>
+                      <a:pPr algn="ctr" latinLnBrk="1"/>
+                      <a:r>
+                        <a:rPr lang="en-US" altLang="ko-KR" sz="1600">
+                          <a:solidFill>
+                            <a:schemeClr val="tx1"/>
+                          </a:solidFill>
+                          <a:latin typeface="돋움체" panose="020B0609000101010101" pitchFamily="49" charset="-127"/>
+                          <a:ea typeface="돋움체" panose="020B0609000101010101" pitchFamily="49" charset="-127"/>
+                        </a:rPr>
+                        <a:t>(5)</a:t>
+                      </a:r>
+                      <a:endParaRPr lang="ko-KR" altLang="en-US" sz="1600">
+                        <a:solidFill>
+                          <a:schemeClr val="tx1"/>
+                        </a:solidFill>
+                      </a:endParaRPr>
+                    </a:p>
+                  </a:txBody>
+                  <a:tcPr>
+                    <a:lnL w="12700" cap="flat" cmpd="sng" algn="ctr">
+                      <a:solidFill>
+                        <a:schemeClr val="tx1"/>
+                      </a:solidFill>
+                      <a:prstDash val="solid"/>
+                      <a:round/>
+                      <a:headEnd type="none" w="med" len="med"/>
+                      <a:tailEnd type="none" w="med" len="med"/>
+                    </a:lnL>
+                    <a:lnR w="12700" cap="flat" cmpd="sng" algn="ctr">
+                      <a:solidFill>
+                        <a:schemeClr val="tx1"/>
+                      </a:solidFill>
+                      <a:prstDash val="solid"/>
+                      <a:round/>
+                      <a:headEnd type="none" w="med" len="med"/>
+                      <a:tailEnd type="none" w="med" len="med"/>
+                    </a:lnR>
+                    <a:lnT w="12700" cap="flat" cmpd="sng" algn="ctr">
+                      <a:solidFill>
+                        <a:schemeClr val="tx1"/>
+                      </a:solidFill>
+                      <a:prstDash val="solid"/>
+                      <a:round/>
+                      <a:headEnd type="none" w="med" len="med"/>
+                      <a:tailEnd type="none" w="med" len="med"/>
+                    </a:lnT>
+                    <a:lnB w="12700" cap="flat" cmpd="sng" algn="ctr">
+                      <a:solidFill>
+                        <a:schemeClr val="tx1"/>
+                      </a:solidFill>
+                      <a:prstDash val="solid"/>
+                      <a:round/>
+                      <a:headEnd type="none" w="med" len="med"/>
+                      <a:tailEnd type="none" w="med" len="med"/>
+                    </a:lnB>
+                    <a:lnTlToBr w="12700" cmpd="sng">
+                      <a:noFill/>
+                      <a:prstDash val="solid"/>
+                    </a:lnTlToBr>
+                    <a:lnBlToTr w="12700" cmpd="sng">
+                      <a:noFill/>
+                      <a:prstDash val="solid"/>
+                    </a:lnBlToTr>
+                    <a:noFill/>
+                  </a:tcPr>
+                </a:tc>
+                <a:tc>
+                  <a:txBody>
+                    <a:bodyPr/>
+                    <a:lstStyle/>
+                    <a:p>
+                      <a:pPr algn="ctr" latinLnBrk="1"/>
+                      <a:r>
+                        <a:rPr lang="en-US" altLang="ko-KR" sz="1600">
+                          <a:solidFill>
+                            <a:schemeClr val="tx1"/>
+                          </a:solidFill>
+                          <a:latin typeface="돋움체" panose="020B0609000101010101" pitchFamily="49" charset="-127"/>
+                          <a:ea typeface="돋움체" panose="020B0609000101010101" pitchFamily="49" charset="-127"/>
+                        </a:rPr>
+                        <a:t>(6)</a:t>
+                      </a:r>
+                      <a:endParaRPr lang="ko-KR" altLang="en-US" sz="1600">
+                        <a:solidFill>
+                          <a:schemeClr val="tx1"/>
+                        </a:solidFill>
+                      </a:endParaRPr>
+                    </a:p>
+                  </a:txBody>
+                  <a:tcPr>
+                    <a:lnL w="12700" cap="flat" cmpd="sng" algn="ctr">
+                      <a:solidFill>
+                        <a:schemeClr val="tx1"/>
+                      </a:solidFill>
+                      <a:prstDash val="solid"/>
+                      <a:round/>
+                      <a:headEnd type="none" w="med" len="med"/>
+                      <a:tailEnd type="none" w="med" len="med"/>
+                    </a:lnL>
+                    <a:lnR w="12700" cap="flat" cmpd="sng" algn="ctr">
+                      <a:solidFill>
+                        <a:schemeClr val="tx1"/>
+                      </a:solidFill>
+                      <a:prstDash val="solid"/>
+                      <a:round/>
+                      <a:headEnd type="none" w="med" len="med"/>
+                      <a:tailEnd type="none" w="med" len="med"/>
+                    </a:lnR>
+                    <a:lnT w="12700" cap="flat" cmpd="sng" algn="ctr">
+                      <a:solidFill>
+                        <a:schemeClr val="tx1"/>
+                      </a:solidFill>
+                      <a:prstDash val="solid"/>
+                      <a:round/>
+                      <a:headEnd type="none" w="med" len="med"/>
+                      <a:tailEnd type="none" w="med" len="med"/>
+                    </a:lnT>
+                    <a:lnB w="12700" cap="flat" cmpd="sng" algn="ctr">
+                      <a:solidFill>
+                        <a:schemeClr val="tx1"/>
+                      </a:solidFill>
+                      <a:prstDash val="solid"/>
+                      <a:round/>
+                      <a:headEnd type="none" w="med" len="med"/>
+                      <a:tailEnd type="none" w="med" len="med"/>
+                    </a:lnB>
+                    <a:lnTlToBr w="12700" cmpd="sng">
+                      <a:noFill/>
+                      <a:prstDash val="solid"/>
+                    </a:lnTlToBr>
+                    <a:lnBlToTr w="12700" cmpd="sng">
+                      <a:noFill/>
+                      <a:prstDash val="solid"/>
+                    </a:lnBlToTr>
+                    <a:noFill/>
+                  </a:tcPr>
+                </a:tc>
+                <a:tc>
+                  <a:txBody>
+                    <a:bodyPr/>
+                    <a:lstStyle/>
+                    <a:p>
+                      <a:pPr algn="ctr" latinLnBrk="1"/>
+                      <a:r>
+                        <a:rPr lang="en-US" altLang="ko-KR" sz="1600">
+                          <a:solidFill>
+                            <a:schemeClr val="tx1"/>
+                          </a:solidFill>
+                          <a:latin typeface="돋움체" panose="020B0609000101010101" pitchFamily="49" charset="-127"/>
+                          <a:ea typeface="돋움체" panose="020B0609000101010101" pitchFamily="49" charset="-127"/>
+                        </a:rPr>
+                        <a:t>(7)</a:t>
+                      </a:r>
+                      <a:endParaRPr lang="ko-KR" altLang="en-US" sz="1600">
+                        <a:solidFill>
+                          <a:schemeClr val="tx1"/>
+                        </a:solidFill>
+                      </a:endParaRPr>
+                    </a:p>
+                  </a:txBody>
+                  <a:tcPr>
+                    <a:lnL w="12700" cap="flat" cmpd="sng" algn="ctr">
+                      <a:solidFill>
+                        <a:schemeClr val="tx1"/>
+                      </a:solidFill>
+                      <a:prstDash val="solid"/>
+                      <a:round/>
+                      <a:headEnd type="none" w="med" len="med"/>
+                      <a:tailEnd type="none" w="med" len="med"/>
+                    </a:lnL>
+                    <a:lnR w="12700" cap="flat" cmpd="sng" algn="ctr">
+                      <a:solidFill>
+                        <a:schemeClr val="tx1"/>
+                      </a:solidFill>
+                      <a:prstDash val="solid"/>
+                      <a:round/>
+                      <a:headEnd type="none" w="med" len="med"/>
+                      <a:tailEnd type="none" w="med" len="med"/>
+                    </a:lnR>
+                    <a:lnT w="12700" cap="flat" cmpd="sng" algn="ctr">
+                      <a:solidFill>
+                        <a:schemeClr val="tx1"/>
+                      </a:solidFill>
+                      <a:prstDash val="solid"/>
+                      <a:round/>
+                      <a:headEnd type="none" w="med" len="med"/>
+                      <a:tailEnd type="none" w="med" len="med"/>
+                    </a:lnT>
+                    <a:lnB w="12700" cap="flat" cmpd="sng" algn="ctr">
+                      <a:solidFill>
+                        <a:schemeClr val="tx1"/>
+                      </a:solidFill>
+                      <a:prstDash val="solid"/>
+                      <a:round/>
+                      <a:headEnd type="none" w="med" len="med"/>
+                      <a:tailEnd type="none" w="med" len="med"/>
+                    </a:lnB>
+                    <a:lnTlToBr w="12700" cmpd="sng">
+                      <a:noFill/>
+                      <a:prstDash val="solid"/>
+                    </a:lnTlToBr>
+                    <a:lnBlToTr w="12700" cmpd="sng">
+                      <a:noFill/>
+                      <a:prstDash val="solid"/>
+                    </a:lnBlToTr>
+                    <a:noFill/>
+                  </a:tcPr>
+                </a:tc>
+                <a:tc>
+                  <a:txBody>
+                    <a:bodyPr/>
+                    <a:lstStyle/>
+                    <a:p>
+                      <a:pPr algn="ctr" latinLnBrk="1"/>
+                      <a:r>
+                        <a:rPr lang="en-US" altLang="ko-KR" sz="1600">
+                          <a:solidFill>
+                            <a:schemeClr val="tx1"/>
+                          </a:solidFill>
+                          <a:latin typeface="돋움체" panose="020B0609000101010101" pitchFamily="49" charset="-127"/>
+                          <a:ea typeface="돋움체" panose="020B0609000101010101" pitchFamily="49" charset="-127"/>
+                        </a:rPr>
+                        <a:t>(8)</a:t>
+                      </a:r>
+                      <a:endParaRPr lang="ko-KR" altLang="en-US" sz="1600">
+                        <a:solidFill>
+                          <a:schemeClr val="tx1"/>
+                        </a:solidFill>
+                      </a:endParaRPr>
+                    </a:p>
+                  </a:txBody>
+                  <a:tcPr>
+                    <a:lnL w="12700" cap="flat" cmpd="sng" algn="ctr">
+                      <a:solidFill>
+                        <a:schemeClr val="tx1"/>
+                      </a:solidFill>
+                      <a:prstDash val="solid"/>
+                      <a:round/>
+                      <a:headEnd type="none" w="med" len="med"/>
+                      <a:tailEnd type="none" w="med" len="med"/>
+                    </a:lnL>
+                    <a:lnR w="12700" cap="flat" cmpd="sng" algn="ctr">
+                      <a:solidFill>
+                        <a:schemeClr val="tx1"/>
+                      </a:solidFill>
+                      <a:prstDash val="solid"/>
+                      <a:round/>
+                      <a:headEnd type="none" w="med" len="med"/>
+                      <a:tailEnd type="none" w="med" len="med"/>
+                    </a:lnR>
+                    <a:lnT w="12700" cap="flat" cmpd="sng" algn="ctr">
+                      <a:solidFill>
+                        <a:schemeClr val="tx1"/>
+                      </a:solidFill>
+                      <a:prstDash val="solid"/>
+                      <a:round/>
+                      <a:headEnd type="none" w="med" len="med"/>
+                      <a:tailEnd type="none" w="med" len="med"/>
+                    </a:lnT>
+                    <a:lnB w="12700" cap="flat" cmpd="sng" algn="ctr">
+                      <a:solidFill>
+                        <a:schemeClr val="tx1"/>
+                      </a:solidFill>
+                      <a:prstDash val="solid"/>
+                      <a:round/>
+                      <a:headEnd type="none" w="med" len="med"/>
+                      <a:tailEnd type="none" w="med" len="med"/>
+                    </a:lnB>
+                    <a:lnTlToBr w="12700" cmpd="sng">
+                      <a:noFill/>
+                      <a:prstDash val="solid"/>
+                    </a:lnTlToBr>
+                    <a:lnBlToTr w="12700" cmpd="sng">
+                      <a:noFill/>
+                      <a:prstDash val="solid"/>
+                    </a:lnBlToTr>
+                    <a:noFill/>
+                  </a:tcPr>
+                </a:tc>
+                <a:extLst>
+                  <a:ext uri="{0D108BD9-81ED-4DB2-BD59-A6C34878D82A}">
+                    <a16:rowId xmlns:a16="http://schemas.microsoft.com/office/drawing/2014/main" val="1877865178"/>
+                  </a:ext>
+                </a:extLst>
+              </a:tr>
+            </a:tbl>
+          </a:graphicData>
+        </a:graphic>
+      </p:graphicFrame>
+      <p:graphicFrame>
+        <p:nvGraphicFramePr>
+          <p:cNvPr id="7" name="표 8">
+            <a:extLst>
+              <a:ext uri="{FF2B5EF4-FFF2-40B4-BE49-F238E27FC236}">
+                <a16:creationId xmlns:a16="http://schemas.microsoft.com/office/drawing/2014/main" id="{3A0B731C-2DC8-4BD6-A148-B2C70372FA6C}"/>
+              </a:ext>
+            </a:extLst>
+          </p:cNvPr>
+          <p:cNvGraphicFramePr>
+            <a:graphicFrameLocks noGrp="1"/>
+          </p:cNvGraphicFramePr>
+          <p:nvPr>
+            <p:extLst>
+              <p:ext uri="{D42A27DB-BD31-4B8C-83A1-F6EECF244321}">
+                <p14:modId xmlns:p14="http://schemas.microsoft.com/office/powerpoint/2010/main" val="1123594948"/>
+              </p:ext>
+            </p:extLst>
+          </p:nvPr>
+        </p:nvGraphicFramePr>
+        <p:xfrm>
+          <a:off x="5093216" y="1366490"/>
+          <a:ext cx="1541382" cy="741680"/>
+        </p:xfrm>
+        <a:graphic>
+          <a:graphicData uri="http://schemas.openxmlformats.org/drawingml/2006/table">
+            <a:tbl>
+              <a:tblPr firstRow="1" bandRow="1">
+                <a:tableStyleId>{5C22544A-7EE6-4342-B048-85BDC9FD1C3A}</a:tableStyleId>
+              </a:tblPr>
+              <a:tblGrid>
+                <a:gridCol w="941982">
+                  <a:extLst>
+                    <a:ext uri="{9D8B030D-6E8A-4147-A177-3AD203B41FA5}">
+                      <a16:colId xmlns:a16="http://schemas.microsoft.com/office/drawing/2014/main" val="358126174"/>
+                    </a:ext>
+                  </a:extLst>
+                </a:gridCol>
+                <a:gridCol w="599400">
+                  <a:extLst>
+                    <a:ext uri="{9D8B030D-6E8A-4147-A177-3AD203B41FA5}">
+                      <a16:colId xmlns:a16="http://schemas.microsoft.com/office/drawing/2014/main" val="2540916946"/>
+                    </a:ext>
+                  </a:extLst>
+                </a:gridCol>
+              </a:tblGrid>
+              <a:tr h="370840">
+                <a:tc gridSpan="2">
+                  <a:txBody>
+                    <a:bodyPr/>
+                    <a:lstStyle/>
+                    <a:p>
+                      <a:pPr algn="ctr" latinLnBrk="1"/>
+                      <a:r>
+                        <a:rPr lang="en-US" altLang="ko-KR" b="1">
+                          <a:solidFill>
+                            <a:schemeClr val="tx1"/>
+                          </a:solidFill>
+                        </a:rPr>
+                        <a:t>pred</a:t>
+                      </a:r>
+                      <a:endParaRPr lang="ko-KR" altLang="en-US" b="1">
+                        <a:solidFill>
+                          <a:schemeClr val="tx1"/>
+                        </a:solidFill>
+                      </a:endParaRPr>
+                    </a:p>
+                  </a:txBody>
+                  <a:tcPr>
+                    <a:lnL w="12700" cap="flat" cmpd="sng" algn="ctr">
+                      <a:solidFill>
+                        <a:schemeClr val="tx1"/>
+                      </a:solidFill>
+                      <a:prstDash val="solid"/>
+                      <a:round/>
+                      <a:headEnd type="none" w="med" len="med"/>
+                      <a:tailEnd type="none" w="med" len="med"/>
+                    </a:lnL>
+                    <a:lnR w="12700" cap="flat" cmpd="sng" algn="ctr">
+                      <a:solidFill>
+                        <a:schemeClr val="tx1"/>
+                      </a:solidFill>
+                      <a:prstDash val="solid"/>
+                      <a:round/>
+                      <a:headEnd type="none" w="med" len="med"/>
+                      <a:tailEnd type="none" w="med" len="med"/>
+                    </a:lnR>
+                    <a:lnT w="12700" cap="flat" cmpd="sng" algn="ctr">
+                      <a:solidFill>
+                        <a:schemeClr val="tx1"/>
+                      </a:solidFill>
+                      <a:prstDash val="solid"/>
+                      <a:round/>
+                      <a:headEnd type="none" w="med" len="med"/>
+                      <a:tailEnd type="none" w="med" len="med"/>
+                    </a:lnT>
+                    <a:lnB w="12700" cap="flat" cmpd="sng" algn="ctr">
+                      <a:solidFill>
+                        <a:schemeClr val="tx1"/>
+                      </a:solidFill>
+                      <a:prstDash val="solid"/>
+                      <a:round/>
+                      <a:headEnd type="none" w="med" len="med"/>
+                      <a:tailEnd type="none" w="med" len="med"/>
+                    </a:lnB>
+                    <a:solidFill>
+                      <a:schemeClr val="accent4"/>
+                    </a:solidFill>
+                  </a:tcPr>
+                </a:tc>
+                <a:tc hMerge="1">
+                  <a:txBody>
+                    <a:bodyPr/>
+                    <a:lstStyle/>
+                    <a:p>
+                      <a:pPr latinLnBrk="1"/>
+                      <a:endParaRPr lang="ko-KR" altLang="en-US"/>
+                    </a:p>
+                  </a:txBody>
+                  <a:tcPr>
+                    <a:lnL w="12700" cap="flat" cmpd="sng" algn="ctr">
+                      <a:solidFill>
+                        <a:schemeClr val="tx1"/>
+                      </a:solidFill>
+                      <a:prstDash val="solid"/>
+                      <a:round/>
+                      <a:headEnd type="none" w="med" len="med"/>
+                      <a:tailEnd type="none" w="med" len="med"/>
+                    </a:lnL>
+                    <a:lnR w="12700" cap="flat" cmpd="sng" algn="ctr">
+                      <a:solidFill>
+                        <a:schemeClr val="tx1"/>
+                      </a:solidFill>
+                      <a:prstDash val="solid"/>
+                      <a:round/>
+                      <a:headEnd type="none" w="med" len="med"/>
+                      <a:tailEnd type="none" w="med" len="med"/>
+                    </a:lnR>
+                    <a:lnT w="12700" cap="flat" cmpd="sng" algn="ctr">
+                      <a:solidFill>
+                        <a:schemeClr val="tx1"/>
+                      </a:solidFill>
+                      <a:prstDash val="solid"/>
+                      <a:round/>
+                      <a:headEnd type="none" w="med" len="med"/>
+                      <a:tailEnd type="none" w="med" len="med"/>
+                    </a:lnT>
+                    <a:lnB w="12700" cap="flat" cmpd="sng" algn="ctr">
+                      <a:solidFill>
+                        <a:schemeClr val="tx1"/>
+                      </a:solidFill>
+                      <a:prstDash val="solid"/>
+                      <a:round/>
+                      <a:headEnd type="none" w="med" len="med"/>
+                      <a:tailEnd type="none" w="med" len="med"/>
+                    </a:lnB>
+                  </a:tcPr>
+                </a:tc>
+                <a:extLst>
+                  <a:ext uri="{0D108BD9-81ED-4DB2-BD59-A6C34878D82A}">
+                    <a16:rowId xmlns:a16="http://schemas.microsoft.com/office/drawing/2014/main" val="1917764172"/>
+                  </a:ext>
+                </a:extLst>
+              </a:tr>
+              <a:tr h="370840">
+                <a:tc>
+                  <a:txBody>
+                    <a:bodyPr/>
+                    <a:lstStyle/>
+                    <a:p>
+                      <a:pPr algn="ctr" latinLnBrk="1"/>
+                      <a:r>
+                        <a:rPr lang="en-US" altLang="ko-KR" b="0">
+                          <a:solidFill>
+                            <a:schemeClr val="tx1"/>
+                          </a:solidFill>
+                        </a:rPr>
+                        <a:t>LFCB A</a:t>
+                      </a:r>
+                      <a:endParaRPr lang="ko-KR" altLang="en-US" b="0">
+                        <a:solidFill>
+                          <a:schemeClr val="tx1"/>
+                        </a:solidFill>
+                      </a:endParaRPr>
+                    </a:p>
+                  </a:txBody>
+                  <a:tcPr>
+                    <a:lnL w="12700" cap="flat" cmpd="sng" algn="ctr">
+                      <a:solidFill>
+                        <a:schemeClr val="tx1"/>
+                      </a:solidFill>
+                      <a:prstDash val="solid"/>
+                      <a:round/>
+                      <a:headEnd type="none" w="med" len="med"/>
+                      <a:tailEnd type="none" w="med" len="med"/>
+                    </a:lnL>
+                    <a:lnR w="12700" cap="flat" cmpd="sng" algn="ctr">
+                      <a:solidFill>
+                        <a:schemeClr val="tx1"/>
+                      </a:solidFill>
+                      <a:prstDash val="solid"/>
+                      <a:round/>
+                      <a:headEnd type="none" w="med" len="med"/>
+                      <a:tailEnd type="none" w="med" len="med"/>
+                    </a:lnR>
+                    <a:lnT w="12700" cap="flat" cmpd="sng" algn="ctr">
+                      <a:solidFill>
+                        <a:schemeClr val="tx1"/>
+                      </a:solidFill>
+                      <a:prstDash val="solid"/>
+                      <a:round/>
+                      <a:headEnd type="none" w="med" len="med"/>
+                      <a:tailEnd type="none" w="med" len="med"/>
+                    </a:lnT>
+                    <a:lnB w="12700" cap="flat" cmpd="sng" algn="ctr">
+                      <a:solidFill>
+                        <a:schemeClr val="tx1"/>
+                      </a:solidFill>
+                      <a:prstDash val="solid"/>
+                      <a:round/>
+                      <a:headEnd type="none" w="med" len="med"/>
+                      <a:tailEnd type="none" w="med" len="med"/>
+                    </a:lnB>
+                    <a:solidFill>
+                      <a:schemeClr val="accent4">
+                        <a:lumMod val="20000"/>
+                        <a:lumOff val="80000"/>
+                      </a:schemeClr>
+                    </a:solidFill>
+                  </a:tcPr>
+                </a:tc>
+                <a:tc>
+                  <a:txBody>
+                    <a:bodyPr/>
+                    <a:lstStyle/>
+                    <a:p>
+                      <a:pPr algn="ctr" latinLnBrk="1"/>
+                      <a:r>
+                        <a:rPr lang="en-US" altLang="ko-KR" b="0">
+                          <a:solidFill>
+                            <a:schemeClr val="tx1"/>
+                          </a:solidFill>
+                        </a:rPr>
+                        <a:t>T1</a:t>
+                      </a:r>
+                      <a:endParaRPr lang="ko-KR" altLang="en-US" b="0">
+                        <a:solidFill>
+                          <a:schemeClr val="tx1"/>
+                        </a:solidFill>
+                      </a:endParaRPr>
+                    </a:p>
+                  </a:txBody>
+                  <a:tcPr>
+                    <a:lnL w="12700" cap="flat" cmpd="sng" algn="ctr">
+                      <a:solidFill>
+                        <a:schemeClr val="tx1"/>
+                      </a:solidFill>
+                      <a:prstDash val="solid"/>
+                      <a:round/>
+                      <a:headEnd type="none" w="med" len="med"/>
+                      <a:tailEnd type="none" w="med" len="med"/>
+                    </a:lnL>
+                    <a:lnR w="12700" cap="flat" cmpd="sng" algn="ctr">
+                      <a:solidFill>
+                        <a:schemeClr val="tx1"/>
+                      </a:solidFill>
+                      <a:prstDash val="solid"/>
+                      <a:round/>
+                      <a:headEnd type="none" w="med" len="med"/>
+                      <a:tailEnd type="none" w="med" len="med"/>
+                    </a:lnR>
+                    <a:lnT w="12700" cap="flat" cmpd="sng" algn="ctr">
+                      <a:solidFill>
+                        <a:schemeClr val="tx1"/>
+                      </a:solidFill>
+                      <a:prstDash val="solid"/>
+                      <a:round/>
+                      <a:headEnd type="none" w="med" len="med"/>
+                      <a:tailEnd type="none" w="med" len="med"/>
+                    </a:lnT>
+                    <a:lnB w="12700" cap="flat" cmpd="sng" algn="ctr">
+                      <a:solidFill>
+                        <a:schemeClr val="tx1"/>
+                      </a:solidFill>
+                      <a:prstDash val="solid"/>
+                      <a:round/>
+                      <a:headEnd type="none" w="med" len="med"/>
+                      <a:tailEnd type="none" w="med" len="med"/>
+                    </a:lnB>
+                  </a:tcPr>
+                </a:tc>
+                <a:extLst>
+                  <a:ext uri="{0D108BD9-81ED-4DB2-BD59-A6C34878D82A}">
+                    <a16:rowId xmlns:a16="http://schemas.microsoft.com/office/drawing/2014/main" val="3071531494"/>
+                  </a:ext>
+                </a:extLst>
+              </a:tr>
+            </a:tbl>
+          </a:graphicData>
+        </a:graphic>
+      </p:graphicFrame>
+    </p:spTree>
+    <p:extLst>
+      <p:ext uri="{BB962C8B-B14F-4D97-AF65-F5344CB8AC3E}">
+        <p14:creationId xmlns:p14="http://schemas.microsoft.com/office/powerpoint/2010/main" val="3696100441"/>
       </p:ext>
     </p:extLst>
   </p:cSld>
@@ -16952,10 +19115,10 @@
       </p:grpSpPr>
       <p:grpSp>
         <p:nvGrpSpPr>
-          <p:cNvPr id="71" name="그룹 70">
+          <p:cNvPr id="55" name="그룹 54">
             <a:extLst>
               <a:ext uri="{FF2B5EF4-FFF2-40B4-BE49-F238E27FC236}">
-                <a16:creationId xmlns:a16="http://schemas.microsoft.com/office/drawing/2014/main" id="{06842E00-81D3-4F24-8634-61D125AEA4B7}"/>
+                <a16:creationId xmlns:a16="http://schemas.microsoft.com/office/drawing/2014/main" id="{5B75912B-CCB3-442B-B469-366BD792E8AE}"/>
               </a:ext>
             </a:extLst>
           </p:cNvPr>
@@ -16964,10 +19127,10 @@
         </p:nvGrpSpPr>
         <p:grpSpPr>
           <a:xfrm>
-            <a:off x="2698537" y="1465183"/>
-            <a:ext cx="5504170" cy="4222921"/>
-            <a:chOff x="2698537" y="1478630"/>
-            <a:chExt cx="5504170" cy="4222921"/>
+            <a:off x="2698520" y="1426001"/>
+            <a:ext cx="5321223" cy="3893689"/>
+            <a:chOff x="2698520" y="1426001"/>
+            <a:chExt cx="5321223" cy="3893689"/>
           </a:xfrm>
         </p:grpSpPr>
         <p:sp>
@@ -16984,7 +19147,7 @@
           </p:nvSpPr>
           <p:spPr>
             <a:xfrm>
-              <a:off x="2698538" y="3134526"/>
+              <a:off x="2698538" y="3121079"/>
               <a:ext cx="2279122" cy="523221"/>
             </a:xfrm>
             <a:prstGeom prst="rect">
@@ -17014,14 +19177,14 @@
               </a:r>
               <a:r>
                 <a:rPr lang="en-US" altLang="ko-KR" sz="1400"/>
-                <a:t>Tp&gt;</a:t>
+                <a:t>T&gt;</a:t>
               </a:r>
             </a:p>
             <a:p>
               <a:pPr algn="ctr"/>
               <a:r>
                 <a:rPr lang="en-US" altLang="ko-KR" sz="1400"/>
-                <a:t>LF_shared_ptr</a:t>
+                <a:t>shared_ptr</a:t>
               </a:r>
               <a:endParaRPr lang="ko-KR" altLang="en-US" sz="1400"/>
             </a:p>
@@ -17041,8 +19204,8 @@
           </p:nvSpPr>
           <p:spPr>
             <a:xfrm>
-              <a:off x="2737152" y="3667116"/>
-              <a:ext cx="2160874" cy="307778"/>
+              <a:off x="2698520" y="3653669"/>
+              <a:ext cx="2279130" cy="307778"/>
             </a:xfrm>
             <a:prstGeom prst="rect">
               <a:avLst/>
@@ -17067,26 +19230,6 @@
                 <a:t>control_block</a:t>
               </a:r>
               <a:r>
-                <a:rPr lang="en-US" altLang="ko-KR" sz="1400" dirty="0">
-                  <a:solidFill>
-                    <a:schemeClr val="accent5">
-                      <a:lumMod val="75000"/>
-                    </a:schemeClr>
-                  </a:solidFill>
-                </a:rPr>
-                <a:t>&lt;</a:t>
-              </a:r>
-              <a:r>
-                <a:rPr lang="en-US" altLang="ko-KR" sz="1400" dirty="0" err="1">
-                  <a:solidFill>
-                    <a:schemeClr val="accent5">
-                      <a:lumMod val="75000"/>
-                    </a:schemeClr>
-                  </a:solidFill>
-                </a:rPr>
-                <a:t>Tp</a:t>
-              </a:r>
-              <a:r>
                 <a:rPr lang="en-US" altLang="ko-KR" sz="1400">
                   <a:solidFill>
                     <a:schemeClr val="accent5">
@@ -17094,7 +19237,7 @@
                     </a:schemeClr>
                   </a:solidFill>
                 </a:rPr>
-                <a:t>&gt;* </a:t>
+                <a:t>&lt;T&gt;* </a:t>
               </a:r>
               <a:r>
                 <a:rPr lang="en-US" altLang="ko-KR" sz="1400"/>
@@ -17118,8 +19261,8 @@
           </p:nvSpPr>
           <p:spPr>
             <a:xfrm>
-              <a:off x="2698537" y="3134526"/>
-              <a:ext cx="2279123" cy="872273"/>
+              <a:off x="2698537" y="3121079"/>
+              <a:ext cx="2279123" cy="851719"/>
             </a:xfrm>
             <a:prstGeom prst="rect">
               <a:avLst/>
@@ -17170,7 +19313,7 @@
           </p:nvSpPr>
           <p:spPr>
             <a:xfrm>
-              <a:off x="2698539" y="4205773"/>
+              <a:off x="2698539" y="4192326"/>
               <a:ext cx="2279127" cy="523221"/>
             </a:xfrm>
             <a:prstGeom prst="rect">
@@ -17200,14 +19343,14 @@
               </a:r>
               <a:r>
                 <a:rPr lang="en-US" altLang="ko-KR" sz="1400"/>
-                <a:t>Tp&gt;</a:t>
+                <a:t>T&gt;</a:t>
               </a:r>
             </a:p>
             <a:p>
               <a:pPr algn="ctr"/>
               <a:r>
                 <a:rPr lang="en-US" altLang="ko-KR" sz="1400"/>
-                <a:t>LF_weak_ptr</a:t>
+                <a:t>weak_ptr</a:t>
               </a:r>
               <a:endParaRPr lang="ko-KR" altLang="en-US" sz="1400"/>
             </a:p>
@@ -17227,7 +19370,7 @@
           </p:nvSpPr>
           <p:spPr>
             <a:xfrm>
-              <a:off x="2698537" y="4205775"/>
+              <a:off x="2698537" y="4192328"/>
               <a:ext cx="2279130" cy="832873"/>
             </a:xfrm>
             <a:prstGeom prst="rect">
@@ -17279,8 +19422,8 @@
           </p:nvSpPr>
           <p:spPr>
             <a:xfrm>
-              <a:off x="5636132" y="3046086"/>
-              <a:ext cx="2566572" cy="738664"/>
+              <a:off x="5808621" y="3469074"/>
+              <a:ext cx="2106638" cy="523220"/>
             </a:xfrm>
             <a:prstGeom prst="rect">
               <a:avLst/>
@@ -17302,23 +19445,6 @@
                     </a:schemeClr>
                   </a:solidFill>
                 </a:rPr>
-                <a:t>Freelist* </a:t>
-              </a:r>
-              <a:r>
-                <a:rPr lang="en-US" altLang="ko-KR" sz="1400"/>
-                <a:t>freelist</a:t>
-              </a:r>
-            </a:p>
-            <a:p>
-              <a:pPr algn="ctr"/>
-              <a:r>
-                <a:rPr lang="en-US" altLang="ko-KR" sz="1400">
-                  <a:solidFill>
-                    <a:schemeClr val="accent5">
-                      <a:lumMod val="75000"/>
-                    </a:schemeClr>
-                  </a:solidFill>
-                </a:rPr>
                 <a:t>atomic_int </a:t>
               </a:r>
               <a:r>
@@ -17371,7 +19497,7 @@
           </p:nvSpPr>
           <p:spPr>
             <a:xfrm>
-              <a:off x="6065445" y="4066187"/>
+              <a:off x="6065445" y="4052740"/>
               <a:ext cx="1707949" cy="307778"/>
             </a:xfrm>
             <a:prstGeom prst="rect">
@@ -17413,8 +19539,8 @@
           </p:nvSpPr>
           <p:spPr>
             <a:xfrm>
-              <a:off x="5636138" y="2285798"/>
-              <a:ext cx="2566569" cy="523221"/>
+              <a:off x="5808626" y="2708786"/>
+              <a:ext cx="2106633" cy="523221"/>
             </a:xfrm>
             <a:prstGeom prst="rect">
               <a:avLst/>
@@ -17443,14 +19569,14 @@
               </a:r>
               <a:r>
                 <a:rPr lang="en-US" altLang="ko-KR" sz="1400"/>
-                <a:t>Tp&gt;</a:t>
+                <a:t>T&gt;</a:t>
               </a:r>
             </a:p>
             <a:p>
               <a:pPr algn="ctr"/>
               <a:r>
                 <a:rPr lang="en-US" altLang="ko-KR" sz="1400"/>
-                <a:t>LF_control_block</a:t>
+                <a:t>control_block</a:t>
               </a:r>
               <a:endParaRPr lang="ko-KR" altLang="en-US" sz="1400"/>
             </a:p>
@@ -17470,8 +19596,8 @@
           </p:nvSpPr>
           <p:spPr>
             <a:xfrm>
-              <a:off x="6456459" y="2826748"/>
-              <a:ext cx="925925" cy="307778"/>
+              <a:off x="5808617" y="3249736"/>
+              <a:ext cx="2106632" cy="307778"/>
             </a:xfrm>
             <a:prstGeom prst="rect">
               <a:avLst/>
@@ -17516,8 +19642,8 @@
           </p:nvSpPr>
           <p:spPr>
             <a:xfrm>
-              <a:off x="5636136" y="2285799"/>
-              <a:ext cx="2566570" cy="1498952"/>
+              <a:off x="5808626" y="2708787"/>
+              <a:ext cx="2106638" cy="1264011"/>
             </a:xfrm>
             <a:prstGeom prst="rect">
               <a:avLst/>
@@ -17572,12 +19698,12 @@
           </p:nvCxnSpPr>
           <p:spPr>
             <a:xfrm flipV="1">
-              <a:off x="4898026" y="2547409"/>
-              <a:ext cx="738112" cy="1273596"/>
+              <a:off x="4977650" y="2970397"/>
+              <a:ext cx="830976" cy="837161"/>
             </a:xfrm>
             <a:prstGeom prst="bentConnector3">
               <a:avLst>
-                <a:gd name="adj1" fmla="val 55465"/>
+                <a:gd name="adj1" fmla="val 50000"/>
               </a:avLst>
             </a:prstGeom>
             <a:ln w="19050">
@@ -17620,8 +19746,8 @@
           </p:nvCxnSpPr>
           <p:spPr>
             <a:xfrm flipV="1">
-              <a:off x="4977665" y="2547409"/>
-              <a:ext cx="658473" cy="2337351"/>
+              <a:off x="4977665" y="2970397"/>
+              <a:ext cx="830961" cy="1900916"/>
             </a:xfrm>
             <a:prstGeom prst="bentConnector3">
               <a:avLst>
@@ -17667,13 +19793,13 @@
             <p:nvPr/>
           </p:nvCxnSpPr>
           <p:spPr>
-            <a:xfrm>
-              <a:off x="7382384" y="2980637"/>
-              <a:ext cx="391010" cy="1239439"/>
+            <a:xfrm flipH="1">
+              <a:off x="7773394" y="3403625"/>
+              <a:ext cx="141855" cy="803004"/>
             </a:xfrm>
             <a:prstGeom prst="bentConnector3">
               <a:avLst>
-                <a:gd name="adj1" fmla="val 234123"/>
+                <a:gd name="adj1" fmla="val -161150"/>
               </a:avLst>
             </a:prstGeom>
             <a:ln w="19050">
@@ -17712,7 +19838,7 @@
           </p:nvSpPr>
           <p:spPr>
             <a:xfrm>
-              <a:off x="5741161" y="4661953"/>
+              <a:off x="5558198" y="4482141"/>
               <a:ext cx="2461543" cy="523221"/>
             </a:xfrm>
             <a:prstGeom prst="rect">
@@ -17742,7 +19868,7 @@
               </a:r>
               <a:r>
                 <a:rPr lang="en-US" altLang="ko-KR" sz="1400"/>
-                <a:t>Tp&gt; LF_enable_shared_from_this</a:t>
+                <a:t>T&gt; enable_shared_from_this</a:t>
               </a:r>
               <a:endParaRPr lang="ko-KR" altLang="en-US" sz="1400"/>
             </a:p>
@@ -17762,8 +19888,8 @@
           </p:nvSpPr>
           <p:spPr>
             <a:xfrm>
-              <a:off x="5748585" y="5390350"/>
-              <a:ext cx="2394079" cy="307778"/>
+              <a:off x="5558198" y="5011912"/>
+              <a:ext cx="2461543" cy="307778"/>
             </a:xfrm>
             <a:prstGeom prst="rect">
               <a:avLst/>
@@ -17785,7 +19911,7 @@
                     </a:schemeClr>
                   </a:solidFill>
                 </a:rPr>
-                <a:t>weak_ptr&lt;Tp&gt;</a:t>
+                <a:t>weak_ptr&lt;T&gt;</a:t>
               </a:r>
               <a:r>
                 <a:rPr lang="ko-KR" altLang="en-US" sz="1400">
@@ -17825,8 +19951,8 @@
           </p:nvSpPr>
           <p:spPr>
             <a:xfrm>
-              <a:off x="5741163" y="4655402"/>
-              <a:ext cx="2461543" cy="1046149"/>
+              <a:off x="5558200" y="4475591"/>
+              <a:ext cx="2461543" cy="838790"/>
             </a:xfrm>
             <a:prstGeom prst="rect">
               <a:avLst/>
@@ -17881,12 +20007,12 @@
           </p:nvCxnSpPr>
           <p:spPr>
             <a:xfrm rot="10800000">
-              <a:off x="4977667" y="4467385"/>
-              <a:ext cx="770919" cy="1076855"/>
+              <a:off x="4977666" y="4453937"/>
+              <a:ext cx="580532" cy="711864"/>
             </a:xfrm>
             <a:prstGeom prst="bentConnector3">
               <a:avLst>
-                <a:gd name="adj1" fmla="val 23836"/>
+                <a:gd name="adj1" fmla="val 50000"/>
               </a:avLst>
             </a:prstGeom>
             <a:ln w="19050">
@@ -17925,7 +20051,7 @@
           </p:nvSpPr>
           <p:spPr>
             <a:xfrm>
-              <a:off x="2737154" y="4730871"/>
+              <a:off x="2737154" y="4717424"/>
               <a:ext cx="2240511" cy="307778"/>
             </a:xfrm>
             <a:prstGeom prst="rect">
@@ -17951,26 +20077,6 @@
                 <a:t>control_block</a:t>
               </a:r>
               <a:r>
-                <a:rPr lang="en-US" altLang="ko-KR" sz="1400" dirty="0">
-                  <a:solidFill>
-                    <a:schemeClr val="accent5">
-                      <a:lumMod val="75000"/>
-                    </a:schemeClr>
-                  </a:solidFill>
-                </a:rPr>
-                <a:t>&lt;</a:t>
-              </a:r>
-              <a:r>
-                <a:rPr lang="en-US" altLang="ko-KR" sz="1400" dirty="0" err="1">
-                  <a:solidFill>
-                    <a:schemeClr val="accent5">
-                      <a:lumMod val="75000"/>
-                    </a:schemeClr>
-                  </a:solidFill>
-                </a:rPr>
-                <a:t>Tp</a:t>
-              </a:r>
-              <a:r>
                 <a:rPr lang="en-US" altLang="ko-KR" sz="1400">
                   <a:solidFill>
                     <a:schemeClr val="accent5">
@@ -17978,7 +20084,7 @@
                     </a:schemeClr>
                   </a:solidFill>
                 </a:rPr>
-                <a:t>&gt;* </a:t>
+                <a:t>&lt;T&gt;* </a:t>
               </a:r>
               <a:r>
                 <a:rPr lang="en-US" altLang="ko-KR" sz="1400"/>
@@ -18002,10 +20108,10 @@
           </p:nvGrpSpPr>
           <p:grpSpPr>
             <a:xfrm>
-              <a:off x="5779856" y="1478630"/>
-              <a:ext cx="2279123" cy="622105"/>
-              <a:chOff x="2698831" y="721182"/>
-              <a:chExt cx="2279123" cy="622105"/>
+              <a:off x="2698520" y="1671862"/>
+              <a:ext cx="2279130" cy="622105"/>
+              <a:chOff x="2698824" y="721182"/>
+              <a:chExt cx="2279130" cy="622105"/>
             </a:xfrm>
           </p:grpSpPr>
           <p:sp>
@@ -18022,8 +20128,8 @@
             </p:nvSpPr>
             <p:spPr>
               <a:xfrm>
-                <a:off x="2930219" y="1035510"/>
-                <a:ext cx="1816346" cy="307777"/>
+                <a:off x="2698824" y="1035510"/>
+                <a:ext cx="2279129" cy="307777"/>
               </a:xfrm>
               <a:prstGeom prst="rect">
                 <a:avLst/>
@@ -18111,7 +20217,7 @@
                   <a:pPr algn="ctr"/>
                   <a:r>
                     <a:rPr lang="en-US" altLang="ko-KR" sz="1400"/>
-                    <a:t>freeList</a:t>
+                    <a:t>FreeList</a:t>
                   </a:r>
                   <a:endParaRPr lang="ko-KR" altLang="en-US" sz="1400"/>
                 </a:p>
@@ -18185,7 +20291,7 @@
           </p:nvGrpSpPr>
           <p:grpSpPr>
             <a:xfrm>
-              <a:off x="3105293" y="1548902"/>
+              <a:off x="6138747" y="1426001"/>
               <a:ext cx="1561344" cy="1080031"/>
               <a:chOff x="3369642" y="734629"/>
               <a:chExt cx="1561344" cy="1080031"/>
@@ -18390,54 +20496,6 @@
         </p:grpSp>
         <p:cxnSp>
           <p:nvCxnSpPr>
-            <p:cNvPr id="31" name="연결선: 꺾임 30">
-              <a:extLst>
-                <a:ext uri="{FF2B5EF4-FFF2-40B4-BE49-F238E27FC236}">
-                  <a16:creationId xmlns:a16="http://schemas.microsoft.com/office/drawing/2014/main" id="{4BDC4361-3B51-45DA-A252-C7E2EF2F5EE3}"/>
-                </a:ext>
-              </a:extLst>
-            </p:cNvPr>
-            <p:cNvCxnSpPr>
-              <a:cxnSpLocks/>
-              <a:endCxn id="34" idx="3"/>
-            </p:cNvCxnSpPr>
-            <p:nvPr/>
-          </p:nvCxnSpPr>
-          <p:spPr>
-            <a:xfrm rot="5400000" flipH="1" flipV="1">
-              <a:off x="7140046" y="2305583"/>
-              <a:ext cx="1434832" cy="403033"/>
-            </a:xfrm>
-            <a:prstGeom prst="bentConnector4">
-              <a:avLst>
-                <a:gd name="adj1" fmla="val -201"/>
-                <a:gd name="adj2" fmla="val 196758"/>
-              </a:avLst>
-            </a:prstGeom>
-            <a:ln w="19050">
-              <a:solidFill>
-                <a:schemeClr val="accent4"/>
-              </a:solidFill>
-              <a:tailEnd type="triangle"/>
-            </a:ln>
-          </p:spPr>
-          <p:style>
-            <a:lnRef idx="2">
-              <a:schemeClr val="dk1"/>
-            </a:lnRef>
-            <a:fillRef idx="0">
-              <a:schemeClr val="dk1"/>
-            </a:fillRef>
-            <a:effectRef idx="1">
-              <a:schemeClr val="dk1"/>
-            </a:effectRef>
-            <a:fontRef idx="minor">
-              <a:schemeClr val="tx1"/>
-            </a:fontRef>
-          </p:style>
-        </p:cxnSp>
-        <p:cxnSp>
-          <p:nvCxnSpPr>
             <p:cNvPr id="41" name="연결선: 꺾임 40">
               <a:extLst>
                 <a:ext uri="{FF2B5EF4-FFF2-40B4-BE49-F238E27FC236}">
@@ -18447,15 +20505,15 @@
             </p:cNvPr>
             <p:cNvCxnSpPr>
               <a:cxnSpLocks/>
-              <a:stCxn id="32" idx="1"/>
-              <a:endCxn id="47" idx="3"/>
+              <a:stCxn id="32" idx="3"/>
+              <a:endCxn id="46" idx="1"/>
             </p:cNvCxnSpPr>
             <p:nvPr/>
           </p:nvCxnSpPr>
           <p:spPr>
-            <a:xfrm rot="10800000" flipV="1">
-              <a:off x="4666638" y="1946846"/>
-              <a:ext cx="1344607" cy="142071"/>
+            <a:xfrm flipV="1">
+              <a:off x="4977649" y="1579890"/>
+              <a:ext cx="1161098" cy="560189"/>
             </a:xfrm>
             <a:prstGeom prst="bentConnector3">
               <a:avLst>
